--- a/slides/lec20_security.pptx
+++ b/slides/lec20_security.pptx
@@ -258,7 +258,7 @@
           <a:p>
             <a:fld id="{26C21ED3-A5B8-0F43-BEC8-3BB1C1D7A737}" type="datetimeFigureOut">
               <a:rPr lang="en-US" smtClean="0"/>
-              <a:t>4/22/19</a:t>
+              <a:t>4/24/19</a:t>
             </a:fld>
             <a:endParaRPr lang="en-US"/>
           </a:p>
@@ -658,14 +658,14 @@
           <a:ln/>
           <a:extLst>
             <a:ext uri="{909E8E84-426E-40dd-AFC4-6F175D3DCCD1}">
-              <a14:hiddenFill xmlns="" xmlns:a14="http://schemas.microsoft.com/office/drawing/2010/main">
+              <a14:hiddenFill xmlns:a14="http://schemas.microsoft.com/office/drawing/2010/main" xmlns="">
                 <a:solidFill>
                   <a:srgbClr val="FFFFFF"/>
                 </a:solidFill>
               </a14:hiddenFill>
             </a:ext>
             <a:ext uri="{91240B29-F687-4f45-9708-019B960494DF}">
-              <a14:hiddenLine xmlns="" xmlns:a14="http://schemas.microsoft.com/office/drawing/2010/main" w="9525">
+              <a14:hiddenLine xmlns:a14="http://schemas.microsoft.com/office/drawing/2010/main" xmlns="" w="9525">
                 <a:solidFill>
                   <a:srgbClr val="000000"/>
                 </a:solidFill>
@@ -899,14 +899,14 @@
           <a:ln/>
           <a:extLst>
             <a:ext uri="{909E8E84-426E-40dd-AFC4-6F175D3DCCD1}">
-              <a14:hiddenFill xmlns="" xmlns:a14="http://schemas.microsoft.com/office/drawing/2010/main">
+              <a14:hiddenFill xmlns:a14="http://schemas.microsoft.com/office/drawing/2010/main" xmlns="">
                 <a:solidFill>
                   <a:srgbClr val="FFFFFF"/>
                 </a:solidFill>
               </a14:hiddenFill>
             </a:ext>
             <a:ext uri="{91240B29-F687-4f45-9708-019B960494DF}">
-              <a14:hiddenLine xmlns="" xmlns:a14="http://schemas.microsoft.com/office/drawing/2010/main" w="9525">
+              <a14:hiddenLine xmlns:a14="http://schemas.microsoft.com/office/drawing/2010/main" xmlns="" w="9525">
                 <a:solidFill>
                   <a:srgbClr val="000000"/>
                 </a:solidFill>
@@ -1140,14 +1140,14 @@
           <a:ln/>
           <a:extLst>
             <a:ext uri="{909E8E84-426E-40dd-AFC4-6F175D3DCCD1}">
-              <a14:hiddenFill xmlns="" xmlns:a14="http://schemas.microsoft.com/office/drawing/2010/main">
+              <a14:hiddenFill xmlns:a14="http://schemas.microsoft.com/office/drawing/2010/main" xmlns="">
                 <a:solidFill>
                   <a:srgbClr val="FFFFFF"/>
                 </a:solidFill>
               </a14:hiddenFill>
             </a:ext>
             <a:ext uri="{91240B29-F687-4f45-9708-019B960494DF}">
-              <a14:hiddenLine xmlns="" xmlns:a14="http://schemas.microsoft.com/office/drawing/2010/main" w="9525">
+              <a14:hiddenLine xmlns:a14="http://schemas.microsoft.com/office/drawing/2010/main" xmlns="" w="9525">
                 <a:solidFill>
                   <a:srgbClr val="000000"/>
                 </a:solidFill>
@@ -1381,14 +1381,14 @@
           <a:ln/>
           <a:extLst>
             <a:ext uri="{909E8E84-426E-40dd-AFC4-6F175D3DCCD1}">
-              <a14:hiddenFill xmlns="" xmlns:a14="http://schemas.microsoft.com/office/drawing/2010/main">
+              <a14:hiddenFill xmlns:a14="http://schemas.microsoft.com/office/drawing/2010/main" xmlns="">
                 <a:solidFill>
                   <a:srgbClr val="FFFFFF"/>
                 </a:solidFill>
               </a14:hiddenFill>
             </a:ext>
             <a:ext uri="{91240B29-F687-4f45-9708-019B960494DF}">
-              <a14:hiddenLine xmlns="" xmlns:a14="http://schemas.microsoft.com/office/drawing/2010/main" w="9525">
+              <a14:hiddenLine xmlns:a14="http://schemas.microsoft.com/office/drawing/2010/main" xmlns="" w="9525">
                 <a:solidFill>
                   <a:srgbClr val="000000"/>
                 </a:solidFill>
@@ -1564,14 +1564,14 @@
               <ma14:placeholderFlag xmlns:ma14="http://schemas.microsoft.com/office/mac/drawingml/2011/main" val="1"/>
             </a:ext>
             <a:ext uri="{909E8E84-426E-40dd-AFC4-6F175D3DCCD1}">
-              <a14:hiddenFill xmlns="" xmlns:a14="http://schemas.microsoft.com/office/drawing/2010/main">
+              <a14:hiddenFill xmlns:a14="http://schemas.microsoft.com/office/drawing/2010/main" xmlns="">
                 <a:solidFill>
                   <a:srgbClr val="FFFFFF"/>
                 </a:solidFill>
               </a14:hiddenFill>
             </a:ext>
             <a:ext uri="{91240B29-F687-4f45-9708-019B960494DF}">
-              <a14:hiddenLine xmlns="" xmlns:a14="http://schemas.microsoft.com/office/drawing/2010/main" w="9525">
+              <a14:hiddenLine xmlns:a14="http://schemas.microsoft.com/office/drawing/2010/main" xmlns="" w="9525">
                 <a:solidFill>
                   <a:srgbClr val="000000"/>
                 </a:solidFill>
@@ -1723,14 +1723,14 @@
           <a:ln/>
           <a:extLst>
             <a:ext uri="{909E8E84-426E-40dd-AFC4-6F175D3DCCD1}">
-              <a14:hiddenFill xmlns:a14="http://schemas.microsoft.com/office/drawing/2010/main" xmlns="">
+              <a14:hiddenFill xmlns="" xmlns:a14="http://schemas.microsoft.com/office/drawing/2010/main">
                 <a:solidFill>
                   <a:srgbClr val="FFFFFF"/>
                 </a:solidFill>
               </a14:hiddenFill>
             </a:ext>
             <a:ext uri="{91240B29-F687-4f45-9708-019B960494DF}">
-              <a14:hiddenLine xmlns:a14="http://schemas.microsoft.com/office/drawing/2010/main" xmlns="" w="9525">
+              <a14:hiddenLine xmlns="" xmlns:a14="http://schemas.microsoft.com/office/drawing/2010/main" w="9525">
                 <a:solidFill>
                   <a:srgbClr val="000000"/>
                 </a:solidFill>
@@ -1972,14 +1972,14 @@
           <a:ln/>
           <a:extLst>
             <a:ext uri="{909E8E84-426E-40dd-AFC4-6F175D3DCCD1}">
-              <a14:hiddenFill xmlns:a14="http://schemas.microsoft.com/office/drawing/2010/main" xmlns="">
+              <a14:hiddenFill xmlns="" xmlns:a14="http://schemas.microsoft.com/office/drawing/2010/main">
                 <a:solidFill>
                   <a:srgbClr val="FFFFFF"/>
                 </a:solidFill>
               </a14:hiddenFill>
             </a:ext>
             <a:ext uri="{91240B29-F687-4f45-9708-019B960494DF}">
-              <a14:hiddenLine xmlns:a14="http://schemas.microsoft.com/office/drawing/2010/main" xmlns="" w="9525">
+              <a14:hiddenLine xmlns="" xmlns:a14="http://schemas.microsoft.com/office/drawing/2010/main" w="9525">
                 <a:solidFill>
                   <a:srgbClr val="000000"/>
                 </a:solidFill>
@@ -2221,14 +2221,14 @@
           <a:ln/>
           <a:extLst>
             <a:ext uri="{909E8E84-426E-40dd-AFC4-6F175D3DCCD1}">
-              <a14:hiddenFill xmlns="" xmlns:a14="http://schemas.microsoft.com/office/drawing/2010/main">
+              <a14:hiddenFill xmlns:a14="http://schemas.microsoft.com/office/drawing/2010/main" xmlns="">
                 <a:solidFill>
                   <a:srgbClr val="FFFFFF"/>
                 </a:solidFill>
               </a14:hiddenFill>
             </a:ext>
             <a:ext uri="{91240B29-F687-4f45-9708-019B960494DF}">
-              <a14:hiddenLine xmlns="" xmlns:a14="http://schemas.microsoft.com/office/drawing/2010/main" w="9525">
+              <a14:hiddenLine xmlns:a14="http://schemas.microsoft.com/office/drawing/2010/main" xmlns="" w="9525">
                 <a:solidFill>
                   <a:srgbClr val="000000"/>
                 </a:solidFill>
@@ -2476,14 +2476,14 @@
           <a:ln/>
           <a:extLst>
             <a:ext uri="{909E8E84-426E-40dd-AFC4-6F175D3DCCD1}">
-              <a14:hiddenFill xmlns="" xmlns:a14="http://schemas.microsoft.com/office/drawing/2010/main">
+              <a14:hiddenFill xmlns:a14="http://schemas.microsoft.com/office/drawing/2010/main" xmlns="">
                 <a:solidFill>
                   <a:srgbClr val="FFFFFF"/>
                 </a:solidFill>
               </a14:hiddenFill>
             </a:ext>
             <a:ext uri="{91240B29-F687-4f45-9708-019B960494DF}">
-              <a14:hiddenLine xmlns="" xmlns:a14="http://schemas.microsoft.com/office/drawing/2010/main" w="9525">
+              <a14:hiddenLine xmlns:a14="http://schemas.microsoft.com/office/drawing/2010/main" xmlns="" w="9525">
                 <a:solidFill>
                   <a:srgbClr val="000000"/>
                 </a:solidFill>
@@ -2717,14 +2717,14 @@
           <a:ln/>
           <a:extLst>
             <a:ext uri="{909E8E84-426E-40dd-AFC4-6F175D3DCCD1}">
-              <a14:hiddenFill xmlns="" xmlns:a14="http://schemas.microsoft.com/office/drawing/2010/main">
+              <a14:hiddenFill xmlns:a14="http://schemas.microsoft.com/office/drawing/2010/main" xmlns="">
                 <a:solidFill>
                   <a:srgbClr val="FFFFFF"/>
                 </a:solidFill>
               </a14:hiddenFill>
             </a:ext>
             <a:ext uri="{91240B29-F687-4f45-9708-019B960494DF}">
-              <a14:hiddenLine xmlns="" xmlns:a14="http://schemas.microsoft.com/office/drawing/2010/main" w="9525">
+              <a14:hiddenLine xmlns:a14="http://schemas.microsoft.com/office/drawing/2010/main" xmlns="" w="9525">
                 <a:solidFill>
                   <a:srgbClr val="000000"/>
                 </a:solidFill>
@@ -2958,14 +2958,14 @@
           <a:ln/>
           <a:extLst>
             <a:ext uri="{909E8E84-426E-40dd-AFC4-6F175D3DCCD1}">
-              <a14:hiddenFill xmlns="" xmlns:a14="http://schemas.microsoft.com/office/drawing/2010/main">
+              <a14:hiddenFill xmlns:a14="http://schemas.microsoft.com/office/drawing/2010/main" xmlns="">
                 <a:solidFill>
                   <a:srgbClr val="FFFFFF"/>
                 </a:solidFill>
               </a14:hiddenFill>
             </a:ext>
             <a:ext uri="{91240B29-F687-4f45-9708-019B960494DF}">
-              <a14:hiddenLine xmlns="" xmlns:a14="http://schemas.microsoft.com/office/drawing/2010/main" w="9525">
+              <a14:hiddenLine xmlns:a14="http://schemas.microsoft.com/office/drawing/2010/main" xmlns="" w="9525">
                 <a:solidFill>
                   <a:srgbClr val="000000"/>
                 </a:solidFill>
@@ -3199,14 +3199,14 @@
           <a:ln/>
           <a:extLst>
             <a:ext uri="{909E8E84-426E-40dd-AFC4-6F175D3DCCD1}">
-              <a14:hiddenFill xmlns="" xmlns:a14="http://schemas.microsoft.com/office/drawing/2010/main">
+              <a14:hiddenFill xmlns:a14="http://schemas.microsoft.com/office/drawing/2010/main" xmlns="">
                 <a:solidFill>
                   <a:srgbClr val="FFFFFF"/>
                 </a:solidFill>
               </a14:hiddenFill>
             </a:ext>
             <a:ext uri="{91240B29-F687-4f45-9708-019B960494DF}">
-              <a14:hiddenLine xmlns="" xmlns:a14="http://schemas.microsoft.com/office/drawing/2010/main" w="9525">
+              <a14:hiddenLine xmlns:a14="http://schemas.microsoft.com/office/drawing/2010/main" xmlns="" w="9525">
                 <a:solidFill>
                   <a:srgbClr val="000000"/>
                 </a:solidFill>
@@ -3539,7 +3539,7 @@
           <a:p>
             <a:fld id="{ECF56177-CEF1-0141-836F-3867E7E9C1D8}" type="datetime1">
               <a:rPr lang="en-US" smtClean="0"/>
-              <a:t>4/22/19</a:t>
+              <a:t>4/24/19</a:t>
             </a:fld>
             <a:endParaRPr lang="en-US"/>
           </a:p>
@@ -3709,7 +3709,7 @@
           <a:p>
             <a:fld id="{4CDC8FB9-92E9-4C40-A76A-6D1CDAB665BB}" type="datetime1">
               <a:rPr lang="en-US" smtClean="0"/>
-              <a:t>4/22/19</a:t>
+              <a:t>4/24/19</a:t>
             </a:fld>
             <a:endParaRPr lang="en-US"/>
           </a:p>
@@ -3889,7 +3889,7 @@
           <a:p>
             <a:fld id="{F8F03505-CCE7-CA4C-B4F1-35193B6B5156}" type="datetime1">
               <a:rPr lang="en-US" smtClean="0"/>
-              <a:t>4/22/19</a:t>
+              <a:t>4/24/19</a:t>
             </a:fld>
             <a:endParaRPr lang="en-US"/>
           </a:p>
@@ -4059,7 +4059,7 @@
           <a:p>
             <a:fld id="{A02E57FB-CD21-0942-A714-152EC4568E9D}" type="datetime1">
               <a:rPr lang="en-US" smtClean="0"/>
-              <a:t>4/22/19</a:t>
+              <a:t>4/24/19</a:t>
             </a:fld>
             <a:endParaRPr lang="en-US"/>
           </a:p>
@@ -4303,7 +4303,7 @@
           <a:p>
             <a:fld id="{77AD2927-A654-D74D-A6C0-BF96EF7229C7}" type="datetime1">
               <a:rPr lang="en-US" smtClean="0"/>
-              <a:t>4/22/19</a:t>
+              <a:t>4/24/19</a:t>
             </a:fld>
             <a:endParaRPr lang="en-US"/>
           </a:p>
@@ -4535,7 +4535,7 @@
           <a:p>
             <a:fld id="{37B554B6-7788-2348-9289-7CAD598A9555}" type="datetime1">
               <a:rPr lang="en-US" smtClean="0"/>
-              <a:t>4/22/19</a:t>
+              <a:t>4/24/19</a:t>
             </a:fld>
             <a:endParaRPr lang="en-US"/>
           </a:p>
@@ -4902,7 +4902,7 @@
           <a:p>
             <a:fld id="{CCE331CB-FA13-3243-AD80-8733E43C7C1F}" type="datetime1">
               <a:rPr lang="en-US" smtClean="0"/>
-              <a:t>4/22/19</a:t>
+              <a:t>4/24/19</a:t>
             </a:fld>
             <a:endParaRPr lang="en-US"/>
           </a:p>
@@ -5020,7 +5020,7 @@
           <a:p>
             <a:fld id="{C0172A9A-4F1F-854A-9B1E-96AFCC4A9B03}" type="datetime1">
               <a:rPr lang="en-US" smtClean="0"/>
-              <a:t>4/22/19</a:t>
+              <a:t>4/24/19</a:t>
             </a:fld>
             <a:endParaRPr lang="en-US"/>
           </a:p>
@@ -5115,7 +5115,7 @@
           <a:p>
             <a:fld id="{2D504595-1B90-0F4A-A1D0-6609637EC4CD}" type="datetime1">
               <a:rPr lang="en-US" smtClean="0"/>
-              <a:t>4/22/19</a:t>
+              <a:t>4/24/19</a:t>
             </a:fld>
             <a:endParaRPr lang="en-US"/>
           </a:p>
@@ -5392,7 +5392,7 @@
           <a:p>
             <a:fld id="{F48EB26F-796F-BD4B-9EC5-A039FE9C305B}" type="datetime1">
               <a:rPr lang="en-US" smtClean="0"/>
-              <a:t>4/22/19</a:t>
+              <a:t>4/24/19</a:t>
             </a:fld>
             <a:endParaRPr lang="en-US"/>
           </a:p>
@@ -5649,7 +5649,7 @@
           <a:p>
             <a:fld id="{CDC2C28A-C946-0143-970B-84B8FE5654F4}" type="datetime1">
               <a:rPr lang="en-US" smtClean="0"/>
-              <a:t>4/22/19</a:t>
+              <a:t>4/24/19</a:t>
             </a:fld>
             <a:endParaRPr lang="en-US"/>
           </a:p>
@@ -5862,7 +5862,7 @@
           <a:p>
             <a:fld id="{A831EFE4-169C-9248-BC74-4797ECDAE130}" type="datetime1">
               <a:rPr lang="en-US" smtClean="0"/>
-              <a:t>4/22/19</a:t>
+              <a:t>4/24/19</a:t>
             </a:fld>
             <a:endParaRPr lang="en-US"/>
           </a:p>
@@ -6299,7 +6299,6 @@
               <a:rPr lang="en-US" b="0" dirty="0"/>
               <a:t>Spring 2019 (MW 3:00-4:15pm in Shaffer 301)</a:t>
             </a:r>
-            <a:endParaRPr lang="en-US" b="0" dirty="0"/>
           </a:p>
         </p:txBody>
       </p:sp>
@@ -6722,7 +6721,7 @@
           </a:ln>
           <a:extLst>
             <a:ext uri="{909E8E84-426E-40dd-AFC4-6F175D3DCCD1}">
-              <a14:hiddenFill xmlns:a14="http://schemas.microsoft.com/office/drawing/2010/main" xmlns="">
+              <a14:hiddenFill xmlns="" xmlns:a14="http://schemas.microsoft.com/office/drawing/2010/main">
                 <a:noFill/>
               </a14:hiddenFill>
             </a:ext>
@@ -6762,14 +6761,14 @@
           </a:ln>
           <a:extLst>
             <a:ext uri="{909E8E84-426E-40dd-AFC4-6F175D3DCCD1}">
-              <a14:hiddenFill xmlns:a14="http://schemas.microsoft.com/office/drawing/2010/main" xmlns="">
+              <a14:hiddenFill xmlns="" xmlns:a14="http://schemas.microsoft.com/office/drawing/2010/main">
                 <a:solidFill>
                   <a:srgbClr val="FFFFFF"/>
                 </a:solidFill>
               </a14:hiddenFill>
             </a:ext>
             <a:ext uri="{91240B29-F687-4f45-9708-019B960494DF}">
-              <a14:hiddenLine xmlns:a14="http://schemas.microsoft.com/office/drawing/2010/main" xmlns="" w="25400">
+              <a14:hiddenLine xmlns="" xmlns:a14="http://schemas.microsoft.com/office/drawing/2010/main" w="25400">
                 <a:solidFill>
                   <a:srgbClr val="000000"/>
                 </a:solidFill>
@@ -6936,14 +6935,14 @@
           </a:ln>
           <a:extLst>
             <a:ext uri="{909E8E84-426E-40dd-AFC4-6F175D3DCCD1}">
-              <a14:hiddenFill xmlns:a14="http://schemas.microsoft.com/office/drawing/2010/main" xmlns="">
+              <a14:hiddenFill xmlns="" xmlns:a14="http://schemas.microsoft.com/office/drawing/2010/main">
                 <a:solidFill>
                   <a:srgbClr val="FFFFFF"/>
                 </a:solidFill>
               </a14:hiddenFill>
             </a:ext>
             <a:ext uri="{91240B29-F687-4f45-9708-019B960494DF}">
-              <a14:hiddenLine xmlns:a14="http://schemas.microsoft.com/office/drawing/2010/main" xmlns="" w="25400">
+              <a14:hiddenLine xmlns="" xmlns:a14="http://schemas.microsoft.com/office/drawing/2010/main" w="25400">
                 <a:solidFill>
                   <a:srgbClr val="000000"/>
                 </a:solidFill>
@@ -7115,7 +7114,7 @@
           </a:ln>
           <a:extLst>
             <a:ext uri="{909E8E84-426E-40dd-AFC4-6F175D3DCCD1}">
-              <a14:hiddenFill xmlns:a14="http://schemas.microsoft.com/office/drawing/2010/main" xmlns="">
+              <a14:hiddenFill xmlns="" xmlns:a14="http://schemas.microsoft.com/office/drawing/2010/main">
                 <a:noFill/>
               </a14:hiddenFill>
             </a:ext>
@@ -7155,14 +7154,14 @@
           </a:ln>
           <a:extLst>
             <a:ext uri="{909E8E84-426E-40dd-AFC4-6F175D3DCCD1}">
-              <a14:hiddenFill xmlns:a14="http://schemas.microsoft.com/office/drawing/2010/main" xmlns="">
+              <a14:hiddenFill xmlns="" xmlns:a14="http://schemas.microsoft.com/office/drawing/2010/main">
                 <a:solidFill>
                   <a:srgbClr val="FFFFFF"/>
                 </a:solidFill>
               </a14:hiddenFill>
             </a:ext>
             <a:ext uri="{91240B29-F687-4f45-9708-019B960494DF}">
-              <a14:hiddenLine xmlns:a14="http://schemas.microsoft.com/office/drawing/2010/main" xmlns="" w="12700">
+              <a14:hiddenLine xmlns="" xmlns:a14="http://schemas.microsoft.com/office/drawing/2010/main" w="12700">
                 <a:solidFill>
                   <a:srgbClr val="000000"/>
                 </a:solidFill>
@@ -7329,14 +7328,14 @@
           </a:ln>
           <a:extLst>
             <a:ext uri="{909E8E84-426E-40dd-AFC4-6F175D3DCCD1}">
-              <a14:hiddenFill xmlns:a14="http://schemas.microsoft.com/office/drawing/2010/main" xmlns="">
+              <a14:hiddenFill xmlns="" xmlns:a14="http://schemas.microsoft.com/office/drawing/2010/main">
                 <a:solidFill>
                   <a:srgbClr val="FFFFFF"/>
                 </a:solidFill>
               </a14:hiddenFill>
             </a:ext>
             <a:ext uri="{91240B29-F687-4f45-9708-019B960494DF}">
-              <a14:hiddenLine xmlns:a14="http://schemas.microsoft.com/office/drawing/2010/main" xmlns="" w="12700">
+              <a14:hiddenLine xmlns="" xmlns:a14="http://schemas.microsoft.com/office/drawing/2010/main" w="12700">
                 <a:solidFill>
                   <a:srgbClr val="000000"/>
                 </a:solidFill>
@@ -7524,7 +7523,7 @@
             </a:ln>
             <a:extLst>
               <a:ext uri="{909E8E84-426E-40dd-AFC4-6F175D3DCCD1}">
-                <a14:hiddenFill xmlns:a14="http://schemas.microsoft.com/office/drawing/2010/main" xmlns="">
+                <a14:hiddenFill xmlns="" xmlns:a14="http://schemas.microsoft.com/office/drawing/2010/main">
                   <a:noFill/>
                 </a14:hiddenFill>
               </a:ext>
@@ -7564,14 +7563,14 @@
             </a:ln>
             <a:extLst>
               <a:ext uri="{909E8E84-426E-40dd-AFC4-6F175D3DCCD1}">
-                <a14:hiddenFill xmlns:a14="http://schemas.microsoft.com/office/drawing/2010/main" xmlns="">
+                <a14:hiddenFill xmlns="" xmlns:a14="http://schemas.microsoft.com/office/drawing/2010/main">
                   <a:solidFill>
                     <a:srgbClr val="FFFFFF"/>
                   </a:solidFill>
                 </a14:hiddenFill>
               </a:ext>
               <a:ext uri="{91240B29-F687-4f45-9708-019B960494DF}">
-                <a14:hiddenLine xmlns:a14="http://schemas.microsoft.com/office/drawing/2010/main" xmlns="" w="25400">
+                <a14:hiddenLine xmlns="" xmlns:a14="http://schemas.microsoft.com/office/drawing/2010/main" w="25400">
                   <a:solidFill>
                     <a:srgbClr val="000000"/>
                   </a:solidFill>
@@ -7793,7 +7792,7 @@
             </a:ln>
             <a:extLst>
               <a:ext uri="{909E8E84-426E-40dd-AFC4-6F175D3DCCD1}">
-                <a14:hiddenFill xmlns:a14="http://schemas.microsoft.com/office/drawing/2010/main" xmlns="">
+                <a14:hiddenFill xmlns="" xmlns:a14="http://schemas.microsoft.com/office/drawing/2010/main">
                   <a:noFill/>
                 </a14:hiddenFill>
               </a:ext>
@@ -7833,14 +7832,14 @@
             </a:ln>
             <a:extLst>
               <a:ext uri="{909E8E84-426E-40dd-AFC4-6F175D3DCCD1}">
-                <a14:hiddenFill xmlns:a14="http://schemas.microsoft.com/office/drawing/2010/main" xmlns="">
+                <a14:hiddenFill xmlns="" xmlns:a14="http://schemas.microsoft.com/office/drawing/2010/main">
                   <a:solidFill>
                     <a:srgbClr val="FFFFFF"/>
                   </a:solidFill>
                 </a14:hiddenFill>
               </a:ext>
               <a:ext uri="{91240B29-F687-4f45-9708-019B960494DF}">
-                <a14:hiddenLine xmlns:a14="http://schemas.microsoft.com/office/drawing/2010/main" xmlns="" w="25400">
+                <a14:hiddenLine xmlns="" xmlns:a14="http://schemas.microsoft.com/office/drawing/2010/main" w="25400">
                   <a:solidFill>
                     <a:srgbClr val="000000"/>
                   </a:solidFill>
@@ -8071,7 +8070,7 @@
             </a:ln>
             <a:extLst>
               <a:ext uri="{909E8E84-426E-40dd-AFC4-6F175D3DCCD1}">
-                <a14:hiddenFill xmlns:a14="http://schemas.microsoft.com/office/drawing/2010/main" xmlns="">
+                <a14:hiddenFill xmlns="" xmlns:a14="http://schemas.microsoft.com/office/drawing/2010/main">
                   <a:noFill/>
                 </a14:hiddenFill>
               </a:ext>
@@ -8111,14 +8110,14 @@
             </a:ln>
             <a:extLst>
               <a:ext uri="{909E8E84-426E-40dd-AFC4-6F175D3DCCD1}">
-                <a14:hiddenFill xmlns:a14="http://schemas.microsoft.com/office/drawing/2010/main" xmlns="">
+                <a14:hiddenFill xmlns="" xmlns:a14="http://schemas.microsoft.com/office/drawing/2010/main">
                   <a:solidFill>
                     <a:srgbClr val="FFFFFF"/>
                   </a:solidFill>
                 </a14:hiddenFill>
               </a:ext>
               <a:ext uri="{91240B29-F687-4f45-9708-019B960494DF}">
-                <a14:hiddenLine xmlns:a14="http://schemas.microsoft.com/office/drawing/2010/main" xmlns="" w="25400">
+                <a14:hiddenLine xmlns="" xmlns:a14="http://schemas.microsoft.com/office/drawing/2010/main" w="25400">
                   <a:solidFill>
                     <a:srgbClr val="000000"/>
                   </a:solidFill>
@@ -8333,7 +8332,7 @@
           </a:ln>
           <a:extLst>
             <a:ext uri="{909E8E84-426E-40dd-AFC4-6F175D3DCCD1}">
-              <a14:hiddenFill xmlns:a14="http://schemas.microsoft.com/office/drawing/2010/main" xmlns="">
+              <a14:hiddenFill xmlns="" xmlns:a14="http://schemas.microsoft.com/office/drawing/2010/main">
                 <a:noFill/>
               </a14:hiddenFill>
             </a:ext>
@@ -8373,14 +8372,14 @@
           </a:ln>
           <a:extLst>
             <a:ext uri="{909E8E84-426E-40dd-AFC4-6F175D3DCCD1}">
-              <a14:hiddenFill xmlns:a14="http://schemas.microsoft.com/office/drawing/2010/main" xmlns="">
+              <a14:hiddenFill xmlns="" xmlns:a14="http://schemas.microsoft.com/office/drawing/2010/main">
                 <a:solidFill>
                   <a:srgbClr val="FFFFFF"/>
                 </a:solidFill>
               </a14:hiddenFill>
             </a:ext>
             <a:ext uri="{91240B29-F687-4f45-9708-019B960494DF}">
-              <a14:hiddenLine xmlns:a14="http://schemas.microsoft.com/office/drawing/2010/main" xmlns="" w="25400">
+              <a14:hiddenLine xmlns="" xmlns:a14="http://schemas.microsoft.com/office/drawing/2010/main" w="25400">
                 <a:solidFill>
                   <a:srgbClr val="000000"/>
                 </a:solidFill>
@@ -8553,14 +8552,14 @@
           </a:ln>
           <a:extLst>
             <a:ext uri="{909E8E84-426E-40dd-AFC4-6F175D3DCCD1}">
-              <a14:hiddenFill xmlns:a14="http://schemas.microsoft.com/office/drawing/2010/main" xmlns="">
+              <a14:hiddenFill xmlns="" xmlns:a14="http://schemas.microsoft.com/office/drawing/2010/main">
                 <a:solidFill>
                   <a:srgbClr val="FFFFFF"/>
                 </a:solidFill>
               </a14:hiddenFill>
             </a:ext>
             <a:ext uri="{91240B29-F687-4f45-9708-019B960494DF}">
-              <a14:hiddenLine xmlns:a14="http://schemas.microsoft.com/office/drawing/2010/main" xmlns="" w="12700">
+              <a14:hiddenLine xmlns="" xmlns:a14="http://schemas.microsoft.com/office/drawing/2010/main" w="12700">
                 <a:solidFill>
                   <a:srgbClr val="000000"/>
                 </a:solidFill>
@@ -9112,7 +9111,7 @@
           </a:ln>
           <a:extLst>
             <a:ext uri="{909E8E84-426E-40dd-AFC4-6F175D3DCCD1}">
-              <a14:hiddenFill xmlns:a14="http://schemas.microsoft.com/office/drawing/2010/main" xmlns="">
+              <a14:hiddenFill xmlns="" xmlns:a14="http://schemas.microsoft.com/office/drawing/2010/main">
                 <a:noFill/>
               </a14:hiddenFill>
             </a:ext>
@@ -9152,14 +9151,14 @@
           </a:ln>
           <a:extLst>
             <a:ext uri="{909E8E84-426E-40dd-AFC4-6F175D3DCCD1}">
-              <a14:hiddenFill xmlns:a14="http://schemas.microsoft.com/office/drawing/2010/main" xmlns="">
+              <a14:hiddenFill xmlns="" xmlns:a14="http://schemas.microsoft.com/office/drawing/2010/main">
                 <a:solidFill>
                   <a:srgbClr val="FFFFFF"/>
                 </a:solidFill>
               </a14:hiddenFill>
             </a:ext>
             <a:ext uri="{91240B29-F687-4f45-9708-019B960494DF}">
-              <a14:hiddenLine xmlns:a14="http://schemas.microsoft.com/office/drawing/2010/main" xmlns="" w="25400">
+              <a14:hiddenLine xmlns="" xmlns:a14="http://schemas.microsoft.com/office/drawing/2010/main" w="25400">
                 <a:solidFill>
                   <a:srgbClr val="000000"/>
                 </a:solidFill>
@@ -9326,14 +9325,14 @@
           </a:ln>
           <a:extLst>
             <a:ext uri="{909E8E84-426E-40dd-AFC4-6F175D3DCCD1}">
-              <a14:hiddenFill xmlns:a14="http://schemas.microsoft.com/office/drawing/2010/main" xmlns="">
+              <a14:hiddenFill xmlns="" xmlns:a14="http://schemas.microsoft.com/office/drawing/2010/main">
                 <a:solidFill>
                   <a:srgbClr val="FFFFFF"/>
                 </a:solidFill>
               </a14:hiddenFill>
             </a:ext>
             <a:ext uri="{91240B29-F687-4f45-9708-019B960494DF}">
-              <a14:hiddenLine xmlns:a14="http://schemas.microsoft.com/office/drawing/2010/main" xmlns="" w="25400">
+              <a14:hiddenLine xmlns="" xmlns:a14="http://schemas.microsoft.com/office/drawing/2010/main" w="25400">
                 <a:solidFill>
                   <a:srgbClr val="000000"/>
                 </a:solidFill>
@@ -9505,7 +9504,7 @@
           </a:ln>
           <a:extLst>
             <a:ext uri="{909E8E84-426E-40dd-AFC4-6F175D3DCCD1}">
-              <a14:hiddenFill xmlns:a14="http://schemas.microsoft.com/office/drawing/2010/main" xmlns="">
+              <a14:hiddenFill xmlns="" xmlns:a14="http://schemas.microsoft.com/office/drawing/2010/main">
                 <a:noFill/>
               </a14:hiddenFill>
             </a:ext>
@@ -9545,14 +9544,14 @@
           </a:ln>
           <a:extLst>
             <a:ext uri="{909E8E84-426E-40dd-AFC4-6F175D3DCCD1}">
-              <a14:hiddenFill xmlns:a14="http://schemas.microsoft.com/office/drawing/2010/main" xmlns="">
+              <a14:hiddenFill xmlns="" xmlns:a14="http://schemas.microsoft.com/office/drawing/2010/main">
                 <a:solidFill>
                   <a:srgbClr val="FFFFFF"/>
                 </a:solidFill>
               </a14:hiddenFill>
             </a:ext>
             <a:ext uri="{91240B29-F687-4f45-9708-019B960494DF}">
-              <a14:hiddenLine xmlns:a14="http://schemas.microsoft.com/office/drawing/2010/main" xmlns="" w="12700">
+              <a14:hiddenLine xmlns="" xmlns:a14="http://schemas.microsoft.com/office/drawing/2010/main" w="12700">
                 <a:solidFill>
                   <a:srgbClr val="000000"/>
                 </a:solidFill>
@@ -9719,14 +9718,14 @@
           </a:ln>
           <a:extLst>
             <a:ext uri="{909E8E84-426E-40dd-AFC4-6F175D3DCCD1}">
-              <a14:hiddenFill xmlns:a14="http://schemas.microsoft.com/office/drawing/2010/main" xmlns="">
+              <a14:hiddenFill xmlns="" xmlns:a14="http://schemas.microsoft.com/office/drawing/2010/main">
                 <a:solidFill>
                   <a:srgbClr val="FFFFFF"/>
                 </a:solidFill>
               </a14:hiddenFill>
             </a:ext>
             <a:ext uri="{91240B29-F687-4f45-9708-019B960494DF}">
-              <a14:hiddenLine xmlns:a14="http://schemas.microsoft.com/office/drawing/2010/main" xmlns="" w="12700">
+              <a14:hiddenLine xmlns="" xmlns:a14="http://schemas.microsoft.com/office/drawing/2010/main" w="12700">
                 <a:solidFill>
                   <a:srgbClr val="000000"/>
                 </a:solidFill>
@@ -9914,7 +9913,7 @@
             </a:ln>
             <a:extLst>
               <a:ext uri="{909E8E84-426E-40dd-AFC4-6F175D3DCCD1}">
-                <a14:hiddenFill xmlns:a14="http://schemas.microsoft.com/office/drawing/2010/main" xmlns="">
+                <a14:hiddenFill xmlns="" xmlns:a14="http://schemas.microsoft.com/office/drawing/2010/main">
                   <a:noFill/>
                 </a14:hiddenFill>
               </a:ext>
@@ -9954,14 +9953,14 @@
             </a:ln>
             <a:extLst>
               <a:ext uri="{909E8E84-426E-40dd-AFC4-6F175D3DCCD1}">
-                <a14:hiddenFill xmlns:a14="http://schemas.microsoft.com/office/drawing/2010/main" xmlns="">
+                <a14:hiddenFill xmlns="" xmlns:a14="http://schemas.microsoft.com/office/drawing/2010/main">
                   <a:solidFill>
                     <a:srgbClr val="FFFFFF"/>
                   </a:solidFill>
                 </a14:hiddenFill>
               </a:ext>
               <a:ext uri="{91240B29-F687-4f45-9708-019B960494DF}">
-                <a14:hiddenLine xmlns:a14="http://schemas.microsoft.com/office/drawing/2010/main" xmlns="" w="25400">
+                <a14:hiddenLine xmlns="" xmlns:a14="http://schemas.microsoft.com/office/drawing/2010/main" w="25400">
                   <a:solidFill>
                     <a:srgbClr val="000000"/>
                   </a:solidFill>
@@ -10183,7 +10182,7 @@
             </a:ln>
             <a:extLst>
               <a:ext uri="{909E8E84-426E-40dd-AFC4-6F175D3DCCD1}">
-                <a14:hiddenFill xmlns:a14="http://schemas.microsoft.com/office/drawing/2010/main" xmlns="">
+                <a14:hiddenFill xmlns="" xmlns:a14="http://schemas.microsoft.com/office/drawing/2010/main">
                   <a:noFill/>
                 </a14:hiddenFill>
               </a:ext>
@@ -10223,14 +10222,14 @@
             </a:ln>
             <a:extLst>
               <a:ext uri="{909E8E84-426E-40dd-AFC4-6F175D3DCCD1}">
-                <a14:hiddenFill xmlns:a14="http://schemas.microsoft.com/office/drawing/2010/main" xmlns="">
+                <a14:hiddenFill xmlns="" xmlns:a14="http://schemas.microsoft.com/office/drawing/2010/main">
                   <a:solidFill>
                     <a:srgbClr val="FFFFFF"/>
                   </a:solidFill>
                 </a14:hiddenFill>
               </a:ext>
               <a:ext uri="{91240B29-F687-4f45-9708-019B960494DF}">
-                <a14:hiddenLine xmlns:a14="http://schemas.microsoft.com/office/drawing/2010/main" xmlns="" w="25400">
+                <a14:hiddenLine xmlns="" xmlns:a14="http://schemas.microsoft.com/office/drawing/2010/main" w="25400">
                   <a:solidFill>
                     <a:srgbClr val="000000"/>
                   </a:solidFill>
@@ -10461,7 +10460,7 @@
             </a:ln>
             <a:extLst>
               <a:ext uri="{909E8E84-426E-40dd-AFC4-6F175D3DCCD1}">
-                <a14:hiddenFill xmlns:a14="http://schemas.microsoft.com/office/drawing/2010/main" xmlns="">
+                <a14:hiddenFill xmlns="" xmlns:a14="http://schemas.microsoft.com/office/drawing/2010/main">
                   <a:noFill/>
                 </a14:hiddenFill>
               </a:ext>
@@ -10501,14 +10500,14 @@
             </a:ln>
             <a:extLst>
               <a:ext uri="{909E8E84-426E-40dd-AFC4-6F175D3DCCD1}">
-                <a14:hiddenFill xmlns:a14="http://schemas.microsoft.com/office/drawing/2010/main" xmlns="">
+                <a14:hiddenFill xmlns="" xmlns:a14="http://schemas.microsoft.com/office/drawing/2010/main">
                   <a:solidFill>
                     <a:srgbClr val="FFFFFF"/>
                   </a:solidFill>
                 </a14:hiddenFill>
               </a:ext>
               <a:ext uri="{91240B29-F687-4f45-9708-019B960494DF}">
-                <a14:hiddenLine xmlns:a14="http://schemas.microsoft.com/office/drawing/2010/main" xmlns="" w="25400">
+                <a14:hiddenLine xmlns="" xmlns:a14="http://schemas.microsoft.com/office/drawing/2010/main" w="25400">
                   <a:solidFill>
                     <a:srgbClr val="000000"/>
                   </a:solidFill>
@@ -10684,7 +10683,43 @@
                   </a:solidFill>
                   <a:latin typeface="Arial" charset="0"/>
                 </a:rPr>
-                <a:t>10, Data = “200”</a:t>
+                <a:t>10, Data = </a:t>
+              </a:r>
+              <a:r>
+                <a:rPr lang="en-US" sz="1600" dirty="0" smtClean="0">
+                  <a:solidFill>
+                    <a:schemeClr val="accent6"/>
+                  </a:solidFill>
+                  <a:latin typeface="Arial" charset="0"/>
+                </a:rPr>
+                <a:t>“</a:t>
+              </a:r>
+              <a:r>
+                <a:rPr lang="en-US" altLang="zh-CN" sz="1600" dirty="0" smtClean="0">
+                  <a:solidFill>
+                    <a:schemeClr val="accent6"/>
+                  </a:solidFill>
+                  <a:latin typeface="Arial" charset="0"/>
+                </a:rPr>
+                <a:t>3</a:t>
+              </a:r>
+              <a:r>
+                <a:rPr lang="en-US" sz="1600" dirty="0" smtClean="0">
+                  <a:solidFill>
+                    <a:schemeClr val="accent6"/>
+                  </a:solidFill>
+                  <a:latin typeface="Arial" charset="0"/>
+                </a:rPr>
+                <a:t>00</a:t>
+              </a:r>
+              <a:r>
+                <a:rPr lang="en-US" sz="1600" dirty="0" smtClean="0">
+                  <a:solidFill>
+                    <a:schemeClr val="accent6"/>
+                  </a:solidFill>
+                  <a:latin typeface="Arial" charset="0"/>
+                </a:rPr>
+                <a:t>”</a:t>
               </a:r>
               <a:endParaRPr lang="en-US" sz="1600" dirty="0">
                 <a:solidFill>
@@ -10723,7 +10758,7 @@
           </a:ln>
           <a:extLst>
             <a:ext uri="{909E8E84-426E-40dd-AFC4-6F175D3DCCD1}">
-              <a14:hiddenFill xmlns:a14="http://schemas.microsoft.com/office/drawing/2010/main" xmlns="">
+              <a14:hiddenFill xmlns="" xmlns:a14="http://schemas.microsoft.com/office/drawing/2010/main">
                 <a:noFill/>
               </a14:hiddenFill>
             </a:ext>
@@ -10763,14 +10798,14 @@
           </a:ln>
           <a:extLst>
             <a:ext uri="{909E8E84-426E-40dd-AFC4-6F175D3DCCD1}">
-              <a14:hiddenFill xmlns:a14="http://schemas.microsoft.com/office/drawing/2010/main" xmlns="">
+              <a14:hiddenFill xmlns="" xmlns:a14="http://schemas.microsoft.com/office/drawing/2010/main">
                 <a:solidFill>
                   <a:srgbClr val="FFFFFF"/>
                 </a:solidFill>
               </a14:hiddenFill>
             </a:ext>
             <a:ext uri="{91240B29-F687-4f45-9708-019B960494DF}">
-              <a14:hiddenLine xmlns:a14="http://schemas.microsoft.com/office/drawing/2010/main" xmlns="" w="25400">
+              <a14:hiddenLine xmlns="" xmlns:a14="http://schemas.microsoft.com/office/drawing/2010/main" w="25400">
                 <a:solidFill>
                   <a:srgbClr val="000000"/>
                 </a:solidFill>
@@ -10943,14 +10978,14 @@
           </a:ln>
           <a:extLst>
             <a:ext uri="{909E8E84-426E-40dd-AFC4-6F175D3DCCD1}">
-              <a14:hiddenFill xmlns:a14="http://schemas.microsoft.com/office/drawing/2010/main" xmlns="">
+              <a14:hiddenFill xmlns="" xmlns:a14="http://schemas.microsoft.com/office/drawing/2010/main">
                 <a:solidFill>
                   <a:srgbClr val="FFFFFF"/>
                 </a:solidFill>
               </a14:hiddenFill>
             </a:ext>
             <a:ext uri="{91240B29-F687-4f45-9708-019B960494DF}">
-              <a14:hiddenLine xmlns:a14="http://schemas.microsoft.com/office/drawing/2010/main" xmlns="" w="12700">
+              <a14:hiddenLine xmlns="" xmlns:a14="http://schemas.microsoft.com/office/drawing/2010/main" w="12700">
                 <a:solidFill>
                   <a:srgbClr val="000000"/>
                 </a:solidFill>
@@ -11146,7 +11181,7 @@
             </a:ln>
             <a:extLst>
               <a:ext uri="{909E8E84-426E-40dd-AFC4-6F175D3DCCD1}">
-                <a14:hiddenFill xmlns:a14="http://schemas.microsoft.com/office/drawing/2010/main" xmlns="">
+                <a14:hiddenFill xmlns="" xmlns:a14="http://schemas.microsoft.com/office/drawing/2010/main">
                   <a:noFill/>
                 </a14:hiddenFill>
               </a:ext>
@@ -11186,14 +11221,14 @@
             </a:ln>
             <a:extLst>
               <a:ext uri="{909E8E84-426E-40dd-AFC4-6F175D3DCCD1}">
-                <a14:hiddenFill xmlns:a14="http://schemas.microsoft.com/office/drawing/2010/main" xmlns="">
+                <a14:hiddenFill xmlns="" xmlns:a14="http://schemas.microsoft.com/office/drawing/2010/main">
                   <a:solidFill>
                     <a:srgbClr val="FFFFFF"/>
                   </a:solidFill>
                 </a14:hiddenFill>
               </a:ext>
               <a:ext uri="{91240B29-F687-4f45-9708-019B960494DF}">
-                <a14:hiddenLine xmlns:a14="http://schemas.microsoft.com/office/drawing/2010/main" xmlns="" w="25400">
+                <a14:hiddenLine xmlns="" xmlns:a14="http://schemas.microsoft.com/office/drawing/2010/main" w="25400">
                   <a:solidFill>
                     <a:srgbClr val="000000"/>
                   </a:solidFill>
@@ -11403,14 +11438,14 @@
           </a:ln>
           <a:extLst>
             <a:ext uri="{909E8E84-426E-40dd-AFC4-6F175D3DCCD1}">
-              <a14:hiddenFill xmlns:a14="http://schemas.microsoft.com/office/drawing/2010/main" xmlns="">
+              <a14:hiddenFill xmlns="" xmlns:a14="http://schemas.microsoft.com/office/drawing/2010/main">
                 <a:solidFill>
                   <a:srgbClr val="FFFFFF"/>
                 </a:solidFill>
               </a14:hiddenFill>
             </a:ext>
             <a:ext uri="{91240B29-F687-4f45-9708-019B960494DF}">
-              <a14:hiddenLine xmlns:a14="http://schemas.microsoft.com/office/drawing/2010/main" xmlns="" w="12700">
+              <a14:hiddenLine xmlns="" xmlns:a14="http://schemas.microsoft.com/office/drawing/2010/main" w="12700">
                 <a:solidFill>
                   <a:srgbClr val="000000"/>
                 </a:solidFill>
@@ -12447,7 +12482,7 @@
             </a:ln>
             <a:extLst>
               <a:ext uri="{909E8E84-426E-40dd-AFC4-6F175D3DCCD1}">
-                <a14:hiddenFill xmlns:a14="http://schemas.microsoft.com/office/drawing/2010/main" xmlns="">
+                <a14:hiddenFill xmlns="" xmlns:a14="http://schemas.microsoft.com/office/drawing/2010/main">
                   <a:solidFill>
                     <a:srgbClr val="FFFFFF"/>
                   </a:solidFill>
@@ -12488,14 +12523,14 @@
             </a:ln>
             <a:extLst>
               <a:ext uri="{909E8E84-426E-40dd-AFC4-6F175D3DCCD1}">
-                <a14:hiddenFill xmlns:a14="http://schemas.microsoft.com/office/drawing/2010/main" xmlns="">
+                <a14:hiddenFill xmlns="" xmlns:a14="http://schemas.microsoft.com/office/drawing/2010/main">
                   <a:solidFill>
                     <a:srgbClr val="FFFFFF"/>
                   </a:solidFill>
                 </a14:hiddenFill>
               </a:ext>
               <a:ext uri="{91240B29-F687-4f45-9708-019B960494DF}">
-                <a14:hiddenLine xmlns:a14="http://schemas.microsoft.com/office/drawing/2010/main" xmlns="" w="9525">
+                <a14:hiddenLine xmlns="" xmlns:a14="http://schemas.microsoft.com/office/drawing/2010/main" w="9525">
                   <a:solidFill>
                     <a:srgbClr val="000000"/>
                   </a:solidFill>
@@ -12656,7 +12691,7 @@
             </a:ln>
             <a:extLst>
               <a:ext uri="{909E8E84-426E-40dd-AFC4-6F175D3DCCD1}">
-                <a14:hiddenFill xmlns:a14="http://schemas.microsoft.com/office/drawing/2010/main" xmlns="">
+                <a14:hiddenFill xmlns="" xmlns:a14="http://schemas.microsoft.com/office/drawing/2010/main">
                   <a:solidFill>
                     <a:srgbClr val="FFFFFF"/>
                   </a:solidFill>
@@ -12697,14 +12732,14 @@
             </a:ln>
             <a:extLst>
               <a:ext uri="{909E8E84-426E-40dd-AFC4-6F175D3DCCD1}">
-                <a14:hiddenFill xmlns:a14="http://schemas.microsoft.com/office/drawing/2010/main" xmlns="">
+                <a14:hiddenFill xmlns="" xmlns:a14="http://schemas.microsoft.com/office/drawing/2010/main">
                   <a:solidFill>
                     <a:srgbClr val="FFFFFF"/>
                   </a:solidFill>
                 </a14:hiddenFill>
               </a:ext>
               <a:ext uri="{91240B29-F687-4f45-9708-019B960494DF}">
-                <a14:hiddenLine xmlns:a14="http://schemas.microsoft.com/office/drawing/2010/main" xmlns="" w="9525">
+                <a14:hiddenLine xmlns="" xmlns:a14="http://schemas.microsoft.com/office/drawing/2010/main" w="9525">
                   <a:solidFill>
                     <a:srgbClr val="000000"/>
                   </a:solidFill>
@@ -12865,7 +12900,7 @@
             </a:ln>
             <a:extLst>
               <a:ext uri="{909E8E84-426E-40dd-AFC4-6F175D3DCCD1}">
-                <a14:hiddenFill xmlns:a14="http://schemas.microsoft.com/office/drawing/2010/main" xmlns="">
+                <a14:hiddenFill xmlns="" xmlns:a14="http://schemas.microsoft.com/office/drawing/2010/main">
                   <a:solidFill>
                     <a:srgbClr val="FFFFFF"/>
                   </a:solidFill>
@@ -12906,14 +12941,14 @@
             </a:ln>
             <a:extLst>
               <a:ext uri="{909E8E84-426E-40dd-AFC4-6F175D3DCCD1}">
-                <a14:hiddenFill xmlns:a14="http://schemas.microsoft.com/office/drawing/2010/main" xmlns="">
+                <a14:hiddenFill xmlns="" xmlns:a14="http://schemas.microsoft.com/office/drawing/2010/main">
                   <a:solidFill>
                     <a:srgbClr val="FFFFFF"/>
                   </a:solidFill>
                 </a14:hiddenFill>
               </a:ext>
               <a:ext uri="{91240B29-F687-4f45-9708-019B960494DF}">
-                <a14:hiddenLine xmlns:a14="http://schemas.microsoft.com/office/drawing/2010/main" xmlns="" w="9525">
+                <a14:hiddenLine xmlns="" xmlns:a14="http://schemas.microsoft.com/office/drawing/2010/main" w="9525">
                   <a:solidFill>
                     <a:srgbClr val="000000"/>
                   </a:solidFill>
@@ -13069,14 +13104,14 @@
             </a:ln>
             <a:extLst>
               <a:ext uri="{909E8E84-426E-40dd-AFC4-6F175D3DCCD1}">
-                <a14:hiddenFill xmlns:a14="http://schemas.microsoft.com/office/drawing/2010/main" xmlns="">
+                <a14:hiddenFill xmlns="" xmlns:a14="http://schemas.microsoft.com/office/drawing/2010/main">
                   <a:solidFill>
                     <a:srgbClr val="FFFFFF"/>
                   </a:solidFill>
                 </a14:hiddenFill>
               </a:ext>
               <a:ext uri="{91240B29-F687-4f45-9708-019B960494DF}">
-                <a14:hiddenLine xmlns:a14="http://schemas.microsoft.com/office/drawing/2010/main" xmlns="" w="9525">
+                <a14:hiddenLine xmlns="" xmlns:a14="http://schemas.microsoft.com/office/drawing/2010/main" w="9525">
                   <a:solidFill>
                     <a:srgbClr val="000000"/>
                   </a:solidFill>
@@ -13277,7 +13312,7 @@
             </a:ln>
             <a:extLst>
               <a:ext uri="{909E8E84-426E-40dd-AFC4-6F175D3DCCD1}">
-                <a14:hiddenFill xmlns:a14="http://schemas.microsoft.com/office/drawing/2010/main" xmlns="">
+                <a14:hiddenFill xmlns="" xmlns:a14="http://schemas.microsoft.com/office/drawing/2010/main">
                   <a:solidFill>
                     <a:srgbClr val="FFFFFF"/>
                   </a:solidFill>
@@ -13318,14 +13353,14 @@
             </a:ln>
             <a:extLst>
               <a:ext uri="{909E8E84-426E-40dd-AFC4-6F175D3DCCD1}">
-                <a14:hiddenFill xmlns:a14="http://schemas.microsoft.com/office/drawing/2010/main" xmlns="">
+                <a14:hiddenFill xmlns="" xmlns:a14="http://schemas.microsoft.com/office/drawing/2010/main">
                   <a:solidFill>
                     <a:srgbClr val="FFFFFF"/>
                   </a:solidFill>
                 </a14:hiddenFill>
               </a:ext>
               <a:ext uri="{91240B29-F687-4f45-9708-019B960494DF}">
-                <a14:hiddenLine xmlns:a14="http://schemas.microsoft.com/office/drawing/2010/main" xmlns="" w="9525">
+                <a14:hiddenLine xmlns="" xmlns:a14="http://schemas.microsoft.com/office/drawing/2010/main" w="9525">
                   <a:solidFill>
                     <a:srgbClr val="000000"/>
                   </a:solidFill>
@@ -13525,7 +13560,7 @@
             </a:ln>
             <a:extLst>
               <a:ext uri="{909E8E84-426E-40dd-AFC4-6F175D3DCCD1}">
-                <a14:hiddenFill xmlns:a14="http://schemas.microsoft.com/office/drawing/2010/main" xmlns="">
+                <a14:hiddenFill xmlns="" xmlns:a14="http://schemas.microsoft.com/office/drawing/2010/main">
                   <a:solidFill>
                     <a:srgbClr val="FFFFFF"/>
                   </a:solidFill>
@@ -13571,7 +13606,7 @@
             </a:ln>
             <a:extLst>
               <a:ext uri="{909E8E84-426E-40dd-AFC4-6F175D3DCCD1}">
-                <a14:hiddenFill xmlns:a14="http://schemas.microsoft.com/office/drawing/2010/main" xmlns="">
+                <a14:hiddenFill xmlns="" xmlns:a14="http://schemas.microsoft.com/office/drawing/2010/main">
                   <a:solidFill>
                     <a:srgbClr val="FFFFFF"/>
                   </a:solidFill>
@@ -13612,14 +13647,14 @@
             </a:ln>
             <a:extLst>
               <a:ext uri="{909E8E84-426E-40dd-AFC4-6F175D3DCCD1}">
-                <a14:hiddenFill xmlns:a14="http://schemas.microsoft.com/office/drawing/2010/main" xmlns="">
+                <a14:hiddenFill xmlns="" xmlns:a14="http://schemas.microsoft.com/office/drawing/2010/main">
                   <a:solidFill>
                     <a:srgbClr val="FFFFFF"/>
                   </a:solidFill>
                 </a14:hiddenFill>
               </a:ext>
               <a:ext uri="{91240B29-F687-4f45-9708-019B960494DF}">
-                <a14:hiddenLine xmlns:a14="http://schemas.microsoft.com/office/drawing/2010/main" xmlns="" w="9525">
+                <a14:hiddenLine xmlns="" xmlns:a14="http://schemas.microsoft.com/office/drawing/2010/main" w="9525">
                   <a:solidFill>
                     <a:srgbClr val="000000"/>
                   </a:solidFill>
@@ -13779,14 +13814,14 @@
             </a:ln>
             <a:extLst>
               <a:ext uri="{909E8E84-426E-40dd-AFC4-6F175D3DCCD1}">
-                <a14:hiddenFill xmlns:a14="http://schemas.microsoft.com/office/drawing/2010/main" xmlns="">
+                <a14:hiddenFill xmlns="" xmlns:a14="http://schemas.microsoft.com/office/drawing/2010/main">
                   <a:solidFill>
                     <a:srgbClr val="FFFFFF"/>
                   </a:solidFill>
                 </a14:hiddenFill>
               </a:ext>
               <a:ext uri="{91240B29-F687-4f45-9708-019B960494DF}">
-                <a14:hiddenLine xmlns:a14="http://schemas.microsoft.com/office/drawing/2010/main" xmlns="" w="9525">
+                <a14:hiddenLine xmlns="" xmlns:a14="http://schemas.microsoft.com/office/drawing/2010/main" w="9525">
                   <a:solidFill>
                     <a:srgbClr val="000000"/>
                   </a:solidFill>
@@ -13942,14 +13977,14 @@
             </a:ln>
             <a:extLst>
               <a:ext uri="{909E8E84-426E-40dd-AFC4-6F175D3DCCD1}">
-                <a14:hiddenFill xmlns:a14="http://schemas.microsoft.com/office/drawing/2010/main" xmlns="">
+                <a14:hiddenFill xmlns="" xmlns:a14="http://schemas.microsoft.com/office/drawing/2010/main">
                   <a:solidFill>
                     <a:srgbClr val="FFFFFF"/>
                   </a:solidFill>
                 </a14:hiddenFill>
               </a:ext>
               <a:ext uri="{91240B29-F687-4f45-9708-019B960494DF}">
-                <a14:hiddenLine xmlns:a14="http://schemas.microsoft.com/office/drawing/2010/main" xmlns="" w="9525">
+                <a14:hiddenLine xmlns="" xmlns:a14="http://schemas.microsoft.com/office/drawing/2010/main" w="9525">
                   <a:solidFill>
                     <a:srgbClr val="000000"/>
                   </a:solidFill>
@@ -14105,14 +14140,14 @@
             </a:ln>
             <a:extLst>
               <a:ext uri="{909E8E84-426E-40dd-AFC4-6F175D3DCCD1}">
-                <a14:hiddenFill xmlns:a14="http://schemas.microsoft.com/office/drawing/2010/main" xmlns="">
+                <a14:hiddenFill xmlns="" xmlns:a14="http://schemas.microsoft.com/office/drawing/2010/main">
                   <a:solidFill>
                     <a:srgbClr val="FFFFFF"/>
                   </a:solidFill>
                 </a14:hiddenFill>
               </a:ext>
               <a:ext uri="{91240B29-F687-4f45-9708-019B960494DF}">
-                <a14:hiddenLine xmlns:a14="http://schemas.microsoft.com/office/drawing/2010/main" xmlns="" w="9525">
+                <a14:hiddenLine xmlns="" xmlns:a14="http://schemas.microsoft.com/office/drawing/2010/main" w="9525">
                   <a:solidFill>
                     <a:srgbClr val="000000"/>
                   </a:solidFill>
@@ -18219,7 +18254,7 @@
             </a:ln>
             <a:extLst>
               <a:ext uri="{91240B29-F687-4f45-9708-019B960494DF}">
-                <a14:hiddenLine xmlns="" xmlns:a14="http://schemas.microsoft.com/office/drawing/2010/main" w="9525">
+                <a14:hiddenLine xmlns:a14="http://schemas.microsoft.com/office/drawing/2010/main" xmlns="" w="9525">
                   <a:solidFill>
                     <a:srgbClr val="000000"/>
                   </a:solidFill>
@@ -18377,14 +18412,14 @@
             </a:ln>
             <a:extLst>
               <a:ext uri="{909E8E84-426E-40dd-AFC4-6F175D3DCCD1}">
-                <a14:hiddenFill xmlns="" xmlns:a14="http://schemas.microsoft.com/office/drawing/2010/main">
+                <a14:hiddenFill xmlns:a14="http://schemas.microsoft.com/office/drawing/2010/main" xmlns="">
                   <a:solidFill>
                     <a:srgbClr val="FFFFFF"/>
                   </a:solidFill>
                 </a14:hiddenFill>
               </a:ext>
               <a:ext uri="{91240B29-F687-4f45-9708-019B960494DF}">
-                <a14:hiddenLine xmlns="" xmlns:a14="http://schemas.microsoft.com/office/drawing/2010/main" w="9525">
+                <a14:hiddenLine xmlns:a14="http://schemas.microsoft.com/office/drawing/2010/main" xmlns="" w="9525">
                   <a:solidFill>
                     <a:srgbClr val="000000"/>
                   </a:solidFill>
@@ -18545,7 +18580,7 @@
           </a:ln>
           <a:extLst>
             <a:ext uri="{91240B29-F687-4f45-9708-019B960494DF}">
-              <a14:hiddenLine xmlns="" xmlns:a14="http://schemas.microsoft.com/office/drawing/2010/main" w="9525">
+              <a14:hiddenLine xmlns:a14="http://schemas.microsoft.com/office/drawing/2010/main" xmlns="" w="9525">
                 <a:solidFill>
                   <a:srgbClr val="000000"/>
                 </a:solidFill>
@@ -18703,14 +18738,14 @@
           </a:ln>
           <a:extLst>
             <a:ext uri="{909E8E84-426E-40dd-AFC4-6F175D3DCCD1}">
-              <a14:hiddenFill xmlns="" xmlns:a14="http://schemas.microsoft.com/office/drawing/2010/main">
+              <a14:hiddenFill xmlns:a14="http://schemas.microsoft.com/office/drawing/2010/main" xmlns="">
                 <a:solidFill>
                   <a:srgbClr val="FFFFFF"/>
                 </a:solidFill>
               </a14:hiddenFill>
             </a:ext>
             <a:ext uri="{91240B29-F687-4f45-9708-019B960494DF}">
-              <a14:hiddenLine xmlns="" xmlns:a14="http://schemas.microsoft.com/office/drawing/2010/main" w="9525">
+              <a14:hiddenLine xmlns:a14="http://schemas.microsoft.com/office/drawing/2010/main" xmlns="" w="9525">
                 <a:solidFill>
                   <a:srgbClr val="000000"/>
                 </a:solidFill>
@@ -20528,14 +20563,14 @@
           </a:ln>
           <a:extLst>
             <a:ext uri="{909E8E84-426E-40dd-AFC4-6F175D3DCCD1}">
-              <a14:hiddenFill xmlns:a14="http://schemas.microsoft.com/office/drawing/2010/main" xmlns="">
+              <a14:hiddenFill xmlns="" xmlns:a14="http://schemas.microsoft.com/office/drawing/2010/main">
                 <a:solidFill>
                   <a:srgbClr val="FFFFFF"/>
                 </a:solidFill>
               </a14:hiddenFill>
             </a:ext>
             <a:ext uri="{91240B29-F687-4f45-9708-019B960494DF}">
-              <a14:hiddenLine xmlns:a14="http://schemas.microsoft.com/office/drawing/2010/main" xmlns="" w="25400">
+              <a14:hiddenLine xmlns="" xmlns:a14="http://schemas.microsoft.com/office/drawing/2010/main" w="25400">
                 <a:solidFill>
                   <a:srgbClr val="000000"/>
                 </a:solidFill>
@@ -20735,14 +20770,14 @@
           </a:ln>
           <a:extLst>
             <a:ext uri="{909E8E84-426E-40dd-AFC4-6F175D3DCCD1}">
-              <a14:hiddenFill xmlns:a14="http://schemas.microsoft.com/office/drawing/2010/main" xmlns="">
+              <a14:hiddenFill xmlns="" xmlns:a14="http://schemas.microsoft.com/office/drawing/2010/main">
                 <a:solidFill>
                   <a:srgbClr val="FFFFFF"/>
                 </a:solidFill>
               </a14:hiddenFill>
             </a:ext>
             <a:ext uri="{91240B29-F687-4f45-9708-019B960494DF}">
-              <a14:hiddenLine xmlns:a14="http://schemas.microsoft.com/office/drawing/2010/main" xmlns="" w="25400">
+              <a14:hiddenLine xmlns="" xmlns:a14="http://schemas.microsoft.com/office/drawing/2010/main" w="25400">
                 <a:solidFill>
                   <a:srgbClr val="000000"/>
                 </a:solidFill>
@@ -20939,14 +20974,14 @@
           </a:ln>
           <a:extLst>
             <a:ext uri="{909E8E84-426E-40dd-AFC4-6F175D3DCCD1}">
-              <a14:hiddenFill xmlns:a14="http://schemas.microsoft.com/office/drawing/2010/main" xmlns="">
+              <a14:hiddenFill xmlns="" xmlns:a14="http://schemas.microsoft.com/office/drawing/2010/main">
                 <a:solidFill>
                   <a:srgbClr val="FFFFFF"/>
                 </a:solidFill>
               </a14:hiddenFill>
             </a:ext>
             <a:ext uri="{91240B29-F687-4f45-9708-019B960494DF}">
-              <a14:hiddenLine xmlns:a14="http://schemas.microsoft.com/office/drawing/2010/main" xmlns="" w="25400">
+              <a14:hiddenLine xmlns="" xmlns:a14="http://schemas.microsoft.com/office/drawing/2010/main" w="25400">
                 <a:solidFill>
                   <a:srgbClr val="000000"/>
                 </a:solidFill>
@@ -21143,14 +21178,14 @@
           </a:ln>
           <a:extLst>
             <a:ext uri="{909E8E84-426E-40dd-AFC4-6F175D3DCCD1}">
-              <a14:hiddenFill xmlns:a14="http://schemas.microsoft.com/office/drawing/2010/main" xmlns="">
+              <a14:hiddenFill xmlns="" xmlns:a14="http://schemas.microsoft.com/office/drawing/2010/main">
                 <a:solidFill>
                   <a:srgbClr val="FFFFFF"/>
                 </a:solidFill>
               </a14:hiddenFill>
             </a:ext>
             <a:ext uri="{91240B29-F687-4f45-9708-019B960494DF}">
-              <a14:hiddenLine xmlns:a14="http://schemas.microsoft.com/office/drawing/2010/main" xmlns="" w="25400">
+              <a14:hiddenLine xmlns="" xmlns:a14="http://schemas.microsoft.com/office/drawing/2010/main" w="25400">
                 <a:solidFill>
                   <a:srgbClr val="000000"/>
                 </a:solidFill>
@@ -21350,14 +21385,14 @@
           </a:ln>
           <a:extLst>
             <a:ext uri="{909E8E84-426E-40dd-AFC4-6F175D3DCCD1}">
-              <a14:hiddenFill xmlns:a14="http://schemas.microsoft.com/office/drawing/2010/main" xmlns="">
+              <a14:hiddenFill xmlns="" xmlns:a14="http://schemas.microsoft.com/office/drawing/2010/main">
                 <a:solidFill>
                   <a:srgbClr val="FFFFFF"/>
                 </a:solidFill>
               </a14:hiddenFill>
             </a:ext>
             <a:ext uri="{91240B29-F687-4f45-9708-019B960494DF}">
-              <a14:hiddenLine xmlns:a14="http://schemas.microsoft.com/office/drawing/2010/main" xmlns="" w="25400">
+              <a14:hiddenLine xmlns="" xmlns:a14="http://schemas.microsoft.com/office/drawing/2010/main" w="25400">
                 <a:solidFill>
                   <a:srgbClr val="000000"/>
                 </a:solidFill>
@@ -21557,14 +21592,14 @@
           </a:ln>
           <a:extLst>
             <a:ext uri="{909E8E84-426E-40dd-AFC4-6F175D3DCCD1}">
-              <a14:hiddenFill xmlns:a14="http://schemas.microsoft.com/office/drawing/2010/main" xmlns="">
+              <a14:hiddenFill xmlns="" xmlns:a14="http://schemas.microsoft.com/office/drawing/2010/main">
                 <a:solidFill>
                   <a:srgbClr val="FFFFFF"/>
                 </a:solidFill>
               </a14:hiddenFill>
             </a:ext>
             <a:ext uri="{91240B29-F687-4f45-9708-019B960494DF}">
-              <a14:hiddenLine xmlns:a14="http://schemas.microsoft.com/office/drawing/2010/main" xmlns="" w="25400">
+              <a14:hiddenLine xmlns="" xmlns:a14="http://schemas.microsoft.com/office/drawing/2010/main" w="25400">
                 <a:solidFill>
                   <a:srgbClr val="000000"/>
                 </a:solidFill>
@@ -21761,14 +21796,14 @@
           </a:ln>
           <a:extLst>
             <a:ext uri="{909E8E84-426E-40dd-AFC4-6F175D3DCCD1}">
-              <a14:hiddenFill xmlns:a14="http://schemas.microsoft.com/office/drawing/2010/main" xmlns="">
+              <a14:hiddenFill xmlns="" xmlns:a14="http://schemas.microsoft.com/office/drawing/2010/main">
                 <a:solidFill>
                   <a:srgbClr val="FFFFFF"/>
                 </a:solidFill>
               </a14:hiddenFill>
             </a:ext>
             <a:ext uri="{91240B29-F687-4f45-9708-019B960494DF}">
-              <a14:hiddenLine xmlns:a14="http://schemas.microsoft.com/office/drawing/2010/main" xmlns="" w="25400">
+              <a14:hiddenLine xmlns="" xmlns:a14="http://schemas.microsoft.com/office/drawing/2010/main" w="25400">
                 <a:solidFill>
                   <a:srgbClr val="000000"/>
                 </a:solidFill>
@@ -21965,14 +22000,14 @@
           </a:ln>
           <a:extLst>
             <a:ext uri="{909E8E84-426E-40dd-AFC4-6F175D3DCCD1}">
-              <a14:hiddenFill xmlns:a14="http://schemas.microsoft.com/office/drawing/2010/main" xmlns="">
+              <a14:hiddenFill xmlns="" xmlns:a14="http://schemas.microsoft.com/office/drawing/2010/main">
                 <a:solidFill>
                   <a:srgbClr val="FFFFFF"/>
                 </a:solidFill>
               </a14:hiddenFill>
             </a:ext>
             <a:ext uri="{91240B29-F687-4f45-9708-019B960494DF}">
-              <a14:hiddenLine xmlns:a14="http://schemas.microsoft.com/office/drawing/2010/main" xmlns="" w="25400">
+              <a14:hiddenLine xmlns="" xmlns:a14="http://schemas.microsoft.com/office/drawing/2010/main" w="25400">
                 <a:solidFill>
                   <a:srgbClr val="000000"/>
                 </a:solidFill>
@@ -22169,14 +22204,14 @@
           </a:ln>
           <a:extLst>
             <a:ext uri="{909E8E84-426E-40dd-AFC4-6F175D3DCCD1}">
-              <a14:hiddenFill xmlns:a14="http://schemas.microsoft.com/office/drawing/2010/main" xmlns="">
+              <a14:hiddenFill xmlns="" xmlns:a14="http://schemas.microsoft.com/office/drawing/2010/main">
                 <a:solidFill>
                   <a:srgbClr val="FFFFFF"/>
                 </a:solidFill>
               </a14:hiddenFill>
             </a:ext>
             <a:ext uri="{91240B29-F687-4f45-9708-019B960494DF}">
-              <a14:hiddenLine xmlns:a14="http://schemas.microsoft.com/office/drawing/2010/main" xmlns="" w="25400">
+              <a14:hiddenLine xmlns="" xmlns:a14="http://schemas.microsoft.com/office/drawing/2010/main" w="25400">
                 <a:solidFill>
                   <a:srgbClr val="000000"/>
                 </a:solidFill>
@@ -22373,14 +22408,14 @@
           </a:ln>
           <a:extLst>
             <a:ext uri="{909E8E84-426E-40dd-AFC4-6F175D3DCCD1}">
-              <a14:hiddenFill xmlns:a14="http://schemas.microsoft.com/office/drawing/2010/main" xmlns="">
+              <a14:hiddenFill xmlns="" xmlns:a14="http://schemas.microsoft.com/office/drawing/2010/main">
                 <a:solidFill>
                   <a:srgbClr val="FFFFFF"/>
                 </a:solidFill>
               </a14:hiddenFill>
             </a:ext>
             <a:ext uri="{91240B29-F687-4f45-9708-019B960494DF}">
-              <a14:hiddenLine xmlns:a14="http://schemas.microsoft.com/office/drawing/2010/main" xmlns="" w="25400">
+              <a14:hiddenLine xmlns="" xmlns:a14="http://schemas.microsoft.com/office/drawing/2010/main" w="25400">
                 <a:solidFill>
                   <a:srgbClr val="000000"/>
                 </a:solidFill>
@@ -22577,14 +22612,14 @@
           </a:ln>
           <a:extLst>
             <a:ext uri="{909E8E84-426E-40dd-AFC4-6F175D3DCCD1}">
-              <a14:hiddenFill xmlns:a14="http://schemas.microsoft.com/office/drawing/2010/main" xmlns="">
+              <a14:hiddenFill xmlns="" xmlns:a14="http://schemas.microsoft.com/office/drawing/2010/main">
                 <a:solidFill>
                   <a:srgbClr val="FFFFFF"/>
                 </a:solidFill>
               </a14:hiddenFill>
             </a:ext>
             <a:ext uri="{91240B29-F687-4f45-9708-019B960494DF}">
-              <a14:hiddenLine xmlns:a14="http://schemas.microsoft.com/office/drawing/2010/main" xmlns="" w="25400">
+              <a14:hiddenLine xmlns="" xmlns:a14="http://schemas.microsoft.com/office/drawing/2010/main" w="25400">
                 <a:solidFill>
                   <a:srgbClr val="000000"/>
                 </a:solidFill>
@@ -22748,7 +22783,7 @@
           </a:ln>
           <a:extLst>
             <a:ext uri="{909E8E84-426E-40dd-AFC4-6F175D3DCCD1}">
-              <a14:hiddenFill xmlns:a14="http://schemas.microsoft.com/office/drawing/2010/main" xmlns="">
+              <a14:hiddenFill xmlns="" xmlns:a14="http://schemas.microsoft.com/office/drawing/2010/main">
                 <a:noFill/>
               </a14:hiddenFill>
             </a:ext>
@@ -22783,7 +22818,7 @@
           </a:ln>
           <a:extLst>
             <a:ext uri="{909E8E84-426E-40dd-AFC4-6F175D3DCCD1}">
-              <a14:hiddenFill xmlns:a14="http://schemas.microsoft.com/office/drawing/2010/main" xmlns="">
+              <a14:hiddenFill xmlns="" xmlns:a14="http://schemas.microsoft.com/office/drawing/2010/main">
                 <a:noFill/>
               </a14:hiddenFill>
             </a:ext>
@@ -22818,7 +22853,7 @@
           </a:ln>
           <a:extLst>
             <a:ext uri="{909E8E84-426E-40dd-AFC4-6F175D3DCCD1}">
-              <a14:hiddenFill xmlns:a14="http://schemas.microsoft.com/office/drawing/2010/main" xmlns="">
+              <a14:hiddenFill xmlns="" xmlns:a14="http://schemas.microsoft.com/office/drawing/2010/main">
                 <a:noFill/>
               </a14:hiddenFill>
             </a:ext>
@@ -22853,7 +22888,7 @@
           </a:ln>
           <a:extLst>
             <a:ext uri="{909E8E84-426E-40dd-AFC4-6F175D3DCCD1}">
-              <a14:hiddenFill xmlns:a14="http://schemas.microsoft.com/office/drawing/2010/main" xmlns="">
+              <a14:hiddenFill xmlns="" xmlns:a14="http://schemas.microsoft.com/office/drawing/2010/main">
                 <a:noFill/>
               </a14:hiddenFill>
             </a:ext>
@@ -22888,7 +22923,7 @@
           </a:ln>
           <a:extLst>
             <a:ext uri="{909E8E84-426E-40dd-AFC4-6F175D3DCCD1}">
-              <a14:hiddenFill xmlns:a14="http://schemas.microsoft.com/office/drawing/2010/main" xmlns="">
+              <a14:hiddenFill xmlns="" xmlns:a14="http://schemas.microsoft.com/office/drawing/2010/main">
                 <a:noFill/>
               </a14:hiddenFill>
             </a:ext>
@@ -22923,7 +22958,7 @@
           </a:ln>
           <a:extLst>
             <a:ext uri="{909E8E84-426E-40dd-AFC4-6F175D3DCCD1}">
-              <a14:hiddenFill xmlns:a14="http://schemas.microsoft.com/office/drawing/2010/main" xmlns="">
+              <a14:hiddenFill xmlns="" xmlns:a14="http://schemas.microsoft.com/office/drawing/2010/main">
                 <a:noFill/>
               </a14:hiddenFill>
             </a:ext>
@@ -22958,7 +22993,7 @@
           </a:ln>
           <a:extLst>
             <a:ext uri="{909E8E84-426E-40dd-AFC4-6F175D3DCCD1}">
-              <a14:hiddenFill xmlns:a14="http://schemas.microsoft.com/office/drawing/2010/main" xmlns="">
+              <a14:hiddenFill xmlns="" xmlns:a14="http://schemas.microsoft.com/office/drawing/2010/main">
                 <a:noFill/>
               </a14:hiddenFill>
             </a:ext>
@@ -23045,14 +23080,14 @@
             </a:ln>
             <a:extLst>
               <a:ext uri="{909E8E84-426E-40dd-AFC4-6F175D3DCCD1}">
-                <a14:hiddenFill xmlns:a14="http://schemas.microsoft.com/office/drawing/2010/main" xmlns="">
+                <a14:hiddenFill xmlns="" xmlns:a14="http://schemas.microsoft.com/office/drawing/2010/main">
                   <a:solidFill>
                     <a:srgbClr val="FFFFFF"/>
                   </a:solidFill>
                 </a14:hiddenFill>
               </a:ext>
               <a:ext uri="{91240B29-F687-4f45-9708-019B960494DF}">
-                <a14:hiddenLine xmlns:a14="http://schemas.microsoft.com/office/drawing/2010/main" xmlns="" w="25400">
+                <a14:hiddenLine xmlns="" xmlns:a14="http://schemas.microsoft.com/office/drawing/2010/main" w="25400">
                   <a:solidFill>
                     <a:srgbClr val="000000"/>
                   </a:solidFill>
@@ -23255,14 +23290,14 @@
             </a:ln>
             <a:extLst>
               <a:ext uri="{909E8E84-426E-40dd-AFC4-6F175D3DCCD1}">
-                <a14:hiddenFill xmlns:a14="http://schemas.microsoft.com/office/drawing/2010/main" xmlns="">
+                <a14:hiddenFill xmlns="" xmlns:a14="http://schemas.microsoft.com/office/drawing/2010/main">
                   <a:solidFill>
                     <a:srgbClr val="FFFFFF"/>
                   </a:solidFill>
                 </a14:hiddenFill>
               </a:ext>
               <a:ext uri="{91240B29-F687-4f45-9708-019B960494DF}">
-                <a14:hiddenLine xmlns:a14="http://schemas.microsoft.com/office/drawing/2010/main" xmlns="" w="25400">
+                <a14:hiddenLine xmlns="" xmlns:a14="http://schemas.microsoft.com/office/drawing/2010/main" w="25400">
                   <a:solidFill>
                     <a:srgbClr val="000000"/>
                   </a:solidFill>
@@ -23429,7 +23464,7 @@
             </a:ln>
             <a:extLst>
               <a:ext uri="{909E8E84-426E-40dd-AFC4-6F175D3DCCD1}">
-                <a14:hiddenFill xmlns:a14="http://schemas.microsoft.com/office/drawing/2010/main" xmlns="">
+                <a14:hiddenFill xmlns="" xmlns:a14="http://schemas.microsoft.com/office/drawing/2010/main">
                   <a:noFill/>
                 </a14:hiddenFill>
               </a:ext>
@@ -23459,14 +23494,14 @@
           </a:ln>
           <a:extLst>
             <a:ext uri="{909E8E84-426E-40dd-AFC4-6F175D3DCCD1}">
-              <a14:hiddenFill xmlns:a14="http://schemas.microsoft.com/office/drawing/2010/main" xmlns="">
+              <a14:hiddenFill xmlns="" xmlns:a14="http://schemas.microsoft.com/office/drawing/2010/main">
                 <a:solidFill>
                   <a:srgbClr val="FFFFFF"/>
                 </a:solidFill>
               </a14:hiddenFill>
             </a:ext>
             <a:ext uri="{91240B29-F687-4f45-9708-019B960494DF}">
-              <a14:hiddenLine xmlns:a14="http://schemas.microsoft.com/office/drawing/2010/main" xmlns="" w="12700">
+              <a14:hiddenLine xmlns="" xmlns:a14="http://schemas.microsoft.com/office/drawing/2010/main" w="12700">
                 <a:solidFill>
                   <a:srgbClr val="000000"/>
                 </a:solidFill>
@@ -23627,14 +23662,14 @@
           </a:ln>
           <a:extLst>
             <a:ext uri="{909E8E84-426E-40dd-AFC4-6F175D3DCCD1}">
-              <a14:hiddenFill xmlns:a14="http://schemas.microsoft.com/office/drawing/2010/main" xmlns="">
+              <a14:hiddenFill xmlns="" xmlns:a14="http://schemas.microsoft.com/office/drawing/2010/main">
                 <a:solidFill>
                   <a:srgbClr val="FFFFFF"/>
                 </a:solidFill>
               </a14:hiddenFill>
             </a:ext>
             <a:ext uri="{91240B29-F687-4f45-9708-019B960494DF}">
-              <a14:hiddenLine xmlns:a14="http://schemas.microsoft.com/office/drawing/2010/main" xmlns="" w="12700">
+              <a14:hiddenLine xmlns="" xmlns:a14="http://schemas.microsoft.com/office/drawing/2010/main" w="12700">
                 <a:solidFill>
                   <a:srgbClr val="000000"/>
                 </a:solidFill>
@@ -23795,14 +23830,14 @@
           </a:ln>
           <a:extLst>
             <a:ext uri="{909E8E84-426E-40dd-AFC4-6F175D3DCCD1}">
-              <a14:hiddenFill xmlns:a14="http://schemas.microsoft.com/office/drawing/2010/main" xmlns="">
+              <a14:hiddenFill xmlns="" xmlns:a14="http://schemas.microsoft.com/office/drawing/2010/main">
                 <a:solidFill>
                   <a:srgbClr val="FFFFFF"/>
                 </a:solidFill>
               </a14:hiddenFill>
             </a:ext>
             <a:ext uri="{91240B29-F687-4f45-9708-019B960494DF}">
-              <a14:hiddenLine xmlns:a14="http://schemas.microsoft.com/office/drawing/2010/main" xmlns="" w="12700">
+              <a14:hiddenLine xmlns="" xmlns:a14="http://schemas.microsoft.com/office/drawing/2010/main" w="12700">
                 <a:solidFill>
                   <a:srgbClr val="000000"/>
                 </a:solidFill>
@@ -24072,7 +24107,7 @@
           </a:ln>
           <a:extLst>
             <a:ext uri="{909E8E84-426E-40dd-AFC4-6F175D3DCCD1}">
-              <a14:hiddenFill xmlns:a14="http://schemas.microsoft.com/office/drawing/2010/main" xmlns="">
+              <a14:hiddenFill xmlns="" xmlns:a14="http://schemas.microsoft.com/office/drawing/2010/main">
                 <a:solidFill>
                   <a:srgbClr val="FFFFFF"/>
                 </a:solidFill>
@@ -24587,7 +24622,7 @@
           </a:ln>
           <a:extLst>
             <a:ext uri="{91240B29-F687-4f45-9708-019B960494DF}">
-              <a14:hiddenLine xmlns:a14="http://schemas.microsoft.com/office/drawing/2010/main" xmlns="" w="9525">
+              <a14:hiddenLine xmlns="" xmlns:a14="http://schemas.microsoft.com/office/drawing/2010/main" w="9525">
                 <a:solidFill>
                   <a:srgbClr val="000000"/>
                 </a:solidFill>
@@ -24633,7 +24668,7 @@
           </a:ln>
           <a:extLst>
             <a:ext uri="{909E8E84-426E-40dd-AFC4-6F175D3DCCD1}">
-              <a14:hiddenFill xmlns:a14="http://schemas.microsoft.com/office/drawing/2010/main" xmlns="">
+              <a14:hiddenFill xmlns="" xmlns:a14="http://schemas.microsoft.com/office/drawing/2010/main">
                 <a:noFill/>
               </a14:hiddenFill>
             </a:ext>
@@ -24674,7 +24709,7 @@
           </a:ln>
           <a:extLst>
             <a:ext uri="{909E8E84-426E-40dd-AFC4-6F175D3DCCD1}">
-              <a14:hiddenFill xmlns:a14="http://schemas.microsoft.com/office/drawing/2010/main" xmlns="">
+              <a14:hiddenFill xmlns="" xmlns:a14="http://schemas.microsoft.com/office/drawing/2010/main">
                 <a:noFill/>
               </a14:hiddenFill>
             </a:ext>
@@ -24715,7 +24750,7 @@
           </a:ln>
           <a:extLst>
             <a:ext uri="{909E8E84-426E-40dd-AFC4-6F175D3DCCD1}">
-              <a14:hiddenFill xmlns:a14="http://schemas.microsoft.com/office/drawing/2010/main" xmlns="">
+              <a14:hiddenFill xmlns="" xmlns:a14="http://schemas.microsoft.com/office/drawing/2010/main">
                 <a:noFill/>
               </a14:hiddenFill>
             </a:ext>
@@ -24751,14 +24786,14 @@
           </a:ln>
           <a:extLst>
             <a:ext uri="{909E8E84-426E-40dd-AFC4-6F175D3DCCD1}">
-              <a14:hiddenFill xmlns:a14="http://schemas.microsoft.com/office/drawing/2010/main" xmlns="">
+              <a14:hiddenFill xmlns="" xmlns:a14="http://schemas.microsoft.com/office/drawing/2010/main">
                 <a:solidFill>
                   <a:srgbClr val="FFFFFF"/>
                 </a:solidFill>
               </a14:hiddenFill>
             </a:ext>
             <a:ext uri="{91240B29-F687-4f45-9708-019B960494DF}">
-              <a14:hiddenLine xmlns:a14="http://schemas.microsoft.com/office/drawing/2010/main" xmlns="" w="9525">
+              <a14:hiddenLine xmlns="" xmlns:a14="http://schemas.microsoft.com/office/drawing/2010/main" w="9525">
                 <a:solidFill>
                   <a:srgbClr val="000000"/>
                 </a:solidFill>
@@ -24917,14 +24952,14 @@
           </a:ln>
           <a:extLst>
             <a:ext uri="{909E8E84-426E-40dd-AFC4-6F175D3DCCD1}">
-              <a14:hiddenFill xmlns:a14="http://schemas.microsoft.com/office/drawing/2010/main" xmlns="">
+              <a14:hiddenFill xmlns="" xmlns:a14="http://schemas.microsoft.com/office/drawing/2010/main">
                 <a:solidFill>
                   <a:srgbClr val="FFFFFF"/>
                 </a:solidFill>
               </a14:hiddenFill>
             </a:ext>
             <a:ext uri="{91240B29-F687-4f45-9708-019B960494DF}">
-              <a14:hiddenLine xmlns:a14="http://schemas.microsoft.com/office/drawing/2010/main" xmlns="" w="9525">
+              <a14:hiddenLine xmlns="" xmlns:a14="http://schemas.microsoft.com/office/drawing/2010/main" w="9525">
                 <a:solidFill>
                   <a:srgbClr val="000000"/>
                 </a:solidFill>
@@ -25112,14 +25147,14 @@
             </a:ln>
             <a:extLst>
               <a:ext uri="{909E8E84-426E-40dd-AFC4-6F175D3DCCD1}">
-                <a14:hiddenFill xmlns:a14="http://schemas.microsoft.com/office/drawing/2010/main" xmlns="">
+                <a14:hiddenFill xmlns="" xmlns:a14="http://schemas.microsoft.com/office/drawing/2010/main">
                   <a:solidFill>
                     <a:srgbClr val="FFFFFF"/>
                   </a:solidFill>
                 </a14:hiddenFill>
               </a:ext>
               <a:ext uri="{91240B29-F687-4f45-9708-019B960494DF}">
-                <a14:hiddenLine xmlns:a14="http://schemas.microsoft.com/office/drawing/2010/main" xmlns="" w="9525">
+                <a14:hiddenLine xmlns="" xmlns:a14="http://schemas.microsoft.com/office/drawing/2010/main" w="9525">
                   <a:solidFill>
                     <a:srgbClr val="000000"/>
                   </a:solidFill>
@@ -25220,7 +25255,7 @@
             <a:effectLst/>
             <a:extLst>
               <a:ext uri="{91240B29-F687-4f45-9708-019B960494DF}">
-                <a14:hiddenLine xmlns:a14="http://schemas.microsoft.com/office/drawing/2010/main" xmlns="" w="9525" cap="flat" cmpd="sng">
+                <a14:hiddenLine xmlns="" xmlns:a14="http://schemas.microsoft.com/office/drawing/2010/main" w="9525" cap="flat" cmpd="sng">
                   <a:solidFill>
                     <a:schemeClr val="tx1"/>
                   </a:solidFill>
@@ -25231,7 +25266,7 @@
                 </a14:hiddenLine>
               </a:ext>
               <a:ext uri="{AF507438-7753-43e0-B8FC-AC1667EBCBE1}">
-                <a14:hiddenEffects xmlns:a14="http://schemas.microsoft.com/office/drawing/2010/main" xmlns="">
+                <a14:hiddenEffects xmlns="" xmlns:a14="http://schemas.microsoft.com/office/drawing/2010/main">
                   <a:effectLst>
                     <a:outerShdw dist="35921" dir="2700000" algn="ctr" rotWithShape="0">
                       <a:schemeClr val="bg2"/>
@@ -25317,14 +25352,14 @@
               </a:ln>
               <a:extLst>
                 <a:ext uri="{909E8E84-426E-40dd-AFC4-6F175D3DCCD1}">
-                  <a14:hiddenFill xmlns:a14="http://schemas.microsoft.com/office/drawing/2010/main" xmlns="">
+                  <a14:hiddenFill xmlns="" xmlns:a14="http://schemas.microsoft.com/office/drawing/2010/main">
                     <a:solidFill>
                       <a:srgbClr val="FFFFFF"/>
                     </a:solidFill>
                   </a14:hiddenFill>
                 </a:ext>
                 <a:ext uri="{91240B29-F687-4f45-9708-019B960494DF}">
-                  <a14:hiddenLine xmlns:a14="http://schemas.microsoft.com/office/drawing/2010/main" xmlns="" w="9525">
+                  <a14:hiddenLine xmlns="" xmlns:a14="http://schemas.microsoft.com/office/drawing/2010/main" w="9525">
                     <a:solidFill>
                       <a:srgbClr val="000000"/>
                     </a:solidFill>
@@ -25425,7 +25460,7 @@
               <a:effectLst/>
               <a:extLst>
                 <a:ext uri="{91240B29-F687-4f45-9708-019B960494DF}">
-                  <a14:hiddenLine xmlns:a14="http://schemas.microsoft.com/office/drawing/2010/main" xmlns="" w="9525" cap="flat" cmpd="sng">
+                  <a14:hiddenLine xmlns="" xmlns:a14="http://schemas.microsoft.com/office/drawing/2010/main" w="9525" cap="flat" cmpd="sng">
                     <a:solidFill>
                       <a:schemeClr val="tx1"/>
                     </a:solidFill>
@@ -25436,7 +25471,7 @@
                   </a14:hiddenLine>
                 </a:ext>
                 <a:ext uri="{AF507438-7753-43e0-B8FC-AC1667EBCBE1}">
-                  <a14:hiddenEffects xmlns:a14="http://schemas.microsoft.com/office/drawing/2010/main" xmlns="">
+                  <a14:hiddenEffects xmlns="" xmlns:a14="http://schemas.microsoft.com/office/drawing/2010/main">
                     <a:effectLst>
                       <a:outerShdw dist="35921" dir="2700000" algn="ctr" rotWithShape="0">
                         <a:schemeClr val="bg2"/>
@@ -25498,7 +25533,7 @@
               </a:ln>
               <a:extLst>
                 <a:ext uri="{909E8E84-426E-40dd-AFC4-6F175D3DCCD1}">
-                  <a14:hiddenFill xmlns:a14="http://schemas.microsoft.com/office/drawing/2010/main" xmlns="">
+                  <a14:hiddenFill xmlns="" xmlns:a14="http://schemas.microsoft.com/office/drawing/2010/main">
                     <a:noFill/>
                   </a14:hiddenFill>
                 </a:ext>
@@ -25606,7 +25641,7 @@
                 </a:ln>
                 <a:extLst>
                   <a:ext uri="{91240B29-F687-4f45-9708-019B960494DF}">
-                    <a14:hiddenLine xmlns:a14="http://schemas.microsoft.com/office/drawing/2010/main" xmlns="" w="12700">
+                    <a14:hiddenLine xmlns="" xmlns:a14="http://schemas.microsoft.com/office/drawing/2010/main" w="12700">
                       <a:solidFill>
                         <a:srgbClr val="000000"/>
                       </a:solidFill>
@@ -25764,14 +25799,14 @@
                   <a:effectLst/>
                   <a:extLst>
                     <a:ext uri="{909E8E84-426E-40dd-AFC4-6F175D3DCCD1}">
-                      <a14:hiddenFill xmlns:a14="http://schemas.microsoft.com/office/drawing/2010/main" xmlns="">
+                      <a14:hiddenFill xmlns="" xmlns:a14="http://schemas.microsoft.com/office/drawing/2010/main">
                         <a:solidFill>
                           <a:schemeClr val="accent1"/>
                         </a:solidFill>
                       </a14:hiddenFill>
                     </a:ext>
                     <a:ext uri="{AF507438-7753-43e0-B8FC-AC1667EBCBE1}">
-                      <a14:hiddenEffects xmlns:a14="http://schemas.microsoft.com/office/drawing/2010/main" xmlns="">
+                      <a14:hiddenEffects xmlns="" xmlns:a14="http://schemas.microsoft.com/office/drawing/2010/main">
                         <a:effectLst>
                           <a:outerShdw dist="35921" dir="2700000" algn="ctr" rotWithShape="0">
                             <a:schemeClr val="bg2"/>
@@ -25863,14 +25898,14 @@
                   <a:effectLst/>
                   <a:extLst>
                     <a:ext uri="{909E8E84-426E-40dd-AFC4-6F175D3DCCD1}">
-                      <a14:hiddenFill xmlns:a14="http://schemas.microsoft.com/office/drawing/2010/main" xmlns="">
+                      <a14:hiddenFill xmlns="" xmlns:a14="http://schemas.microsoft.com/office/drawing/2010/main">
                         <a:solidFill>
                           <a:schemeClr val="accent1"/>
                         </a:solidFill>
                       </a14:hiddenFill>
                     </a:ext>
                     <a:ext uri="{AF507438-7753-43e0-B8FC-AC1667EBCBE1}">
-                      <a14:hiddenEffects xmlns:a14="http://schemas.microsoft.com/office/drawing/2010/main" xmlns="">
+                      <a14:hiddenEffects xmlns="" xmlns:a14="http://schemas.microsoft.com/office/drawing/2010/main">
                         <a:effectLst>
                           <a:outerShdw dist="35921" dir="2700000" algn="ctr" rotWithShape="0">
                             <a:schemeClr val="bg2"/>
@@ -25917,12 +25952,12 @@
                 <a:effectLst/>
                 <a:extLst>
                   <a:ext uri="{909E8E84-426E-40dd-AFC4-6F175D3DCCD1}">
-                    <a14:hiddenFill xmlns:a14="http://schemas.microsoft.com/office/drawing/2010/main" xmlns="">
+                    <a14:hiddenFill xmlns="" xmlns:a14="http://schemas.microsoft.com/office/drawing/2010/main">
                       <a:noFill/>
                     </a14:hiddenFill>
                   </a:ext>
                   <a:ext uri="{AF507438-7753-43e0-B8FC-AC1667EBCBE1}">
-                    <a14:hiddenEffects xmlns:a14="http://schemas.microsoft.com/office/drawing/2010/main" xmlns="">
+                    <a14:hiddenEffects xmlns="" xmlns:a14="http://schemas.microsoft.com/office/drawing/2010/main">
                       <a:effectLst>
                         <a:outerShdw blurRad="63500" dist="38099" dir="2700000" algn="ctr" rotWithShape="0">
                           <a:schemeClr val="bg2">
@@ -25975,12 +26010,12 @@
                 <a:effectLst/>
                 <a:extLst>
                   <a:ext uri="{909E8E84-426E-40dd-AFC4-6F175D3DCCD1}">
-                    <a14:hiddenFill xmlns:a14="http://schemas.microsoft.com/office/drawing/2010/main" xmlns="">
+                    <a14:hiddenFill xmlns="" xmlns:a14="http://schemas.microsoft.com/office/drawing/2010/main">
                       <a:noFill/>
                     </a14:hiddenFill>
                   </a:ext>
                   <a:ext uri="{AF507438-7753-43e0-B8FC-AC1667EBCBE1}">
-                    <a14:hiddenEffects xmlns:a14="http://schemas.microsoft.com/office/drawing/2010/main" xmlns="">
+                    <a14:hiddenEffects xmlns="" xmlns:a14="http://schemas.microsoft.com/office/drawing/2010/main">
                       <a:effectLst>
                         <a:outerShdw blurRad="63500" dist="38099" dir="2700000" algn="ctr" rotWithShape="0">
                           <a:schemeClr val="bg2">
@@ -26102,7 +26137,7 @@
             </a:ln>
             <a:extLst>
               <a:ext uri="{91240B29-F687-4f45-9708-019B960494DF}">
-                <a14:hiddenLine xmlns:a14="http://schemas.microsoft.com/office/drawing/2010/main" xmlns="" w="12700">
+                <a14:hiddenLine xmlns="" xmlns:a14="http://schemas.microsoft.com/office/drawing/2010/main" w="12700">
                   <a:solidFill>
                     <a:srgbClr val="000000"/>
                   </a:solidFill>
@@ -26260,14 +26295,14 @@
               <a:effectLst/>
               <a:extLst>
                 <a:ext uri="{909E8E84-426E-40dd-AFC4-6F175D3DCCD1}">
-                  <a14:hiddenFill xmlns:a14="http://schemas.microsoft.com/office/drawing/2010/main" xmlns="">
+                  <a14:hiddenFill xmlns="" xmlns:a14="http://schemas.microsoft.com/office/drawing/2010/main">
                     <a:solidFill>
                       <a:schemeClr val="accent1"/>
                     </a:solidFill>
                   </a14:hiddenFill>
                 </a:ext>
                 <a:ext uri="{AF507438-7753-43e0-B8FC-AC1667EBCBE1}">
-                  <a14:hiddenEffects xmlns:a14="http://schemas.microsoft.com/office/drawing/2010/main" xmlns="">
+                  <a14:hiddenEffects xmlns="" xmlns:a14="http://schemas.microsoft.com/office/drawing/2010/main">
                     <a:effectLst>
                       <a:outerShdw dist="35921" dir="2700000" algn="ctr" rotWithShape="0">
                         <a:schemeClr val="bg2"/>
@@ -26359,14 +26394,14 @@
               <a:effectLst/>
               <a:extLst>
                 <a:ext uri="{909E8E84-426E-40dd-AFC4-6F175D3DCCD1}">
-                  <a14:hiddenFill xmlns:a14="http://schemas.microsoft.com/office/drawing/2010/main" xmlns="">
+                  <a14:hiddenFill xmlns="" xmlns:a14="http://schemas.microsoft.com/office/drawing/2010/main">
                     <a:solidFill>
                       <a:schemeClr val="accent1"/>
                     </a:solidFill>
                   </a14:hiddenFill>
                 </a:ext>
                 <a:ext uri="{AF507438-7753-43e0-B8FC-AC1667EBCBE1}">
-                  <a14:hiddenEffects xmlns:a14="http://schemas.microsoft.com/office/drawing/2010/main" xmlns="">
+                  <a14:hiddenEffects xmlns="" xmlns:a14="http://schemas.microsoft.com/office/drawing/2010/main">
                     <a:effectLst>
                       <a:outerShdw dist="35921" dir="2700000" algn="ctr" rotWithShape="0">
                         <a:schemeClr val="bg2"/>
@@ -26413,12 +26448,12 @@
             <a:effectLst/>
             <a:extLst>
               <a:ext uri="{909E8E84-426E-40dd-AFC4-6F175D3DCCD1}">
-                <a14:hiddenFill xmlns:a14="http://schemas.microsoft.com/office/drawing/2010/main" xmlns="">
+                <a14:hiddenFill xmlns="" xmlns:a14="http://schemas.microsoft.com/office/drawing/2010/main">
                   <a:noFill/>
                 </a14:hiddenFill>
               </a:ext>
               <a:ext uri="{AF507438-7753-43e0-B8FC-AC1667EBCBE1}">
-                <a14:hiddenEffects xmlns:a14="http://schemas.microsoft.com/office/drawing/2010/main" xmlns="">
+                <a14:hiddenEffects xmlns="" xmlns:a14="http://schemas.microsoft.com/office/drawing/2010/main">
                   <a:effectLst>
                     <a:outerShdw blurRad="63500" dist="38099" dir="2700000" algn="ctr" rotWithShape="0">
                       <a:schemeClr val="bg2">
@@ -26471,12 +26506,12 @@
             <a:effectLst/>
             <a:extLst>
               <a:ext uri="{909E8E84-426E-40dd-AFC4-6F175D3DCCD1}">
-                <a14:hiddenFill xmlns:a14="http://schemas.microsoft.com/office/drawing/2010/main" xmlns="">
+                <a14:hiddenFill xmlns="" xmlns:a14="http://schemas.microsoft.com/office/drawing/2010/main">
                   <a:noFill/>
                 </a14:hiddenFill>
               </a:ext>
               <a:ext uri="{AF507438-7753-43e0-B8FC-AC1667EBCBE1}">
-                <a14:hiddenEffects xmlns:a14="http://schemas.microsoft.com/office/drawing/2010/main" xmlns="">
+                <a14:hiddenEffects xmlns="" xmlns:a14="http://schemas.microsoft.com/office/drawing/2010/main">
                   <a:effectLst>
                     <a:outerShdw blurRad="63500" dist="38099" dir="2700000" algn="ctr" rotWithShape="0">
                       <a:schemeClr val="bg2">
@@ -32284,11 +32319,7 @@
             </a:r>
             <a:r>
               <a:rPr lang="en-US" smtClean="0"/>
-              <a:t>random </a:t>
-            </a:r>
-            <a:r>
-              <a:rPr lang="en-US" smtClean="0"/>
-              <a:t>samples</a:t>
+              <a:t>random samples</a:t>
             </a:r>
             <a:endParaRPr lang="en-US" dirty="0" smtClean="0"/>
           </a:p>
@@ -33322,7 +33353,7 @@
           </a:ln>
           <a:extLst>
             <a:ext uri="{91240B29-F687-4f45-9708-019B960494DF}">
-              <a14:hiddenLine xmlns:a14="http://schemas.microsoft.com/office/drawing/2010/main" xmlns="" w="9525">
+              <a14:hiddenLine xmlns="" xmlns:a14="http://schemas.microsoft.com/office/drawing/2010/main" w="9525">
                 <a:solidFill>
                   <a:srgbClr val="000000"/>
                 </a:solidFill>
@@ -33533,7 +33564,7 @@
           </a:ln>
           <a:extLst>
             <a:ext uri="{91240B29-F687-4f45-9708-019B960494DF}">
-              <a14:hiddenLine xmlns:a14="http://schemas.microsoft.com/office/drawing/2010/main" xmlns="" w="9525">
+              <a14:hiddenLine xmlns="" xmlns:a14="http://schemas.microsoft.com/office/drawing/2010/main" w="9525">
                 <a:solidFill>
                   <a:srgbClr val="000000"/>
                 </a:solidFill>
@@ -33744,7 +33775,7 @@
           </a:ln>
           <a:extLst>
             <a:ext uri="{91240B29-F687-4f45-9708-019B960494DF}">
-              <a14:hiddenLine xmlns:a14="http://schemas.microsoft.com/office/drawing/2010/main" xmlns="" w="9525">
+              <a14:hiddenLine xmlns="" xmlns:a14="http://schemas.microsoft.com/office/drawing/2010/main" w="9525">
                 <a:solidFill>
                   <a:srgbClr val="000000"/>
                 </a:solidFill>
@@ -33955,7 +33986,7 @@
           </a:ln>
           <a:extLst>
             <a:ext uri="{91240B29-F687-4f45-9708-019B960494DF}">
-              <a14:hiddenLine xmlns:a14="http://schemas.microsoft.com/office/drawing/2010/main" xmlns="" w="9525">
+              <a14:hiddenLine xmlns="" xmlns:a14="http://schemas.microsoft.com/office/drawing/2010/main" w="9525">
                 <a:solidFill>
                   <a:srgbClr val="000000"/>
                 </a:solidFill>
@@ -34205,7 +34236,7 @@
           </a:ln>
           <a:extLst>
             <a:ext uri="{91240B29-F687-4f45-9708-019B960494DF}">
-              <a14:hiddenLine xmlns:a14="http://schemas.microsoft.com/office/drawing/2010/main" xmlns="" w="9525">
+              <a14:hiddenLine xmlns="" xmlns:a14="http://schemas.microsoft.com/office/drawing/2010/main" w="9525">
                 <a:solidFill>
                   <a:srgbClr val="000000"/>
                 </a:solidFill>
@@ -34372,14 +34403,14 @@
           </a:ln>
           <a:extLst>
             <a:ext uri="{909E8E84-426E-40dd-AFC4-6F175D3DCCD1}">
-              <a14:hiddenFill xmlns:a14="http://schemas.microsoft.com/office/drawing/2010/main" xmlns="">
+              <a14:hiddenFill xmlns="" xmlns:a14="http://schemas.microsoft.com/office/drawing/2010/main">
                 <a:solidFill>
                   <a:srgbClr val="FFFFFF"/>
                 </a:solidFill>
               </a14:hiddenFill>
             </a:ext>
             <a:ext uri="{91240B29-F687-4f45-9708-019B960494DF}">
-              <a14:hiddenLine xmlns:a14="http://schemas.microsoft.com/office/drawing/2010/main" xmlns="" w="9525">
+              <a14:hiddenLine xmlns="" xmlns:a14="http://schemas.microsoft.com/office/drawing/2010/main" w="9525">
                 <a:solidFill>
                   <a:srgbClr val="000000"/>
                 </a:solidFill>
@@ -34551,7 +34582,7 @@
           </a:ln>
           <a:extLst>
             <a:ext uri="{909E8E84-426E-40dd-AFC4-6F175D3DCCD1}">
-              <a14:hiddenFill xmlns:a14="http://schemas.microsoft.com/office/drawing/2010/main" xmlns="">
+              <a14:hiddenFill xmlns="" xmlns:a14="http://schemas.microsoft.com/office/drawing/2010/main">
                 <a:noFill/>
               </a14:hiddenFill>
             </a:ext>
@@ -34592,7 +34623,7 @@
           </a:ln>
           <a:extLst>
             <a:ext uri="{909E8E84-426E-40dd-AFC4-6F175D3DCCD1}">
-              <a14:hiddenFill xmlns:a14="http://schemas.microsoft.com/office/drawing/2010/main" xmlns="">
+              <a14:hiddenFill xmlns="" xmlns:a14="http://schemas.microsoft.com/office/drawing/2010/main">
                 <a:noFill/>
               </a14:hiddenFill>
             </a:ext>
@@ -34633,7 +34664,7 @@
           </a:ln>
           <a:extLst>
             <a:ext uri="{91240B29-F687-4f45-9708-019B960494DF}">
-              <a14:hiddenLine xmlns:a14="http://schemas.microsoft.com/office/drawing/2010/main" xmlns="" w="9525">
+              <a14:hiddenLine xmlns="" xmlns:a14="http://schemas.microsoft.com/office/drawing/2010/main" w="9525">
                 <a:solidFill>
                   <a:srgbClr val="000000"/>
                 </a:solidFill>
@@ -34805,7 +34836,7 @@
           </a:ln>
           <a:extLst>
             <a:ext uri="{91240B29-F687-4f45-9708-019B960494DF}">
-              <a14:hiddenLine xmlns:a14="http://schemas.microsoft.com/office/drawing/2010/main" xmlns="" w="9525">
+              <a14:hiddenLine xmlns="" xmlns:a14="http://schemas.microsoft.com/office/drawing/2010/main" w="9525">
                 <a:solidFill>
                   <a:srgbClr val="000000"/>
                 </a:solidFill>
@@ -35055,7 +35086,7 @@
           </a:ln>
           <a:extLst>
             <a:ext uri="{91240B29-F687-4f45-9708-019B960494DF}">
-              <a14:hiddenLine xmlns:a14="http://schemas.microsoft.com/office/drawing/2010/main" xmlns="" w="9525">
+              <a14:hiddenLine xmlns="" xmlns:a14="http://schemas.microsoft.com/office/drawing/2010/main" w="9525">
                 <a:solidFill>
                   <a:srgbClr val="000000"/>
                 </a:solidFill>
@@ -35227,7 +35258,7 @@
           </a:ln>
           <a:extLst>
             <a:ext uri="{91240B29-F687-4f45-9708-019B960494DF}">
-              <a14:hiddenLine xmlns:a14="http://schemas.microsoft.com/office/drawing/2010/main" xmlns="" w="9525">
+              <a14:hiddenLine xmlns="" xmlns:a14="http://schemas.microsoft.com/office/drawing/2010/main" w="9525">
                 <a:solidFill>
                   <a:srgbClr val="000000"/>
                 </a:solidFill>
@@ -35438,7 +35469,7 @@
           </a:ln>
           <a:extLst>
             <a:ext uri="{91240B29-F687-4f45-9708-019B960494DF}">
-              <a14:hiddenLine xmlns:a14="http://schemas.microsoft.com/office/drawing/2010/main" xmlns="" w="9525">
+              <a14:hiddenLine xmlns="" xmlns:a14="http://schemas.microsoft.com/office/drawing/2010/main" w="9525">
                 <a:solidFill>
                   <a:srgbClr val="000000"/>
                 </a:solidFill>
@@ -35715,7 +35746,7 @@
           </a:ln>
           <a:extLst>
             <a:ext uri="{909E8E84-426E-40dd-AFC4-6F175D3DCCD1}">
-              <a14:hiddenFill xmlns:a14="http://schemas.microsoft.com/office/drawing/2010/main" xmlns="">
+              <a14:hiddenFill xmlns="" xmlns:a14="http://schemas.microsoft.com/office/drawing/2010/main">
                 <a:noFill/>
               </a14:hiddenFill>
             </a:ext>
@@ -35751,14 +35782,14 @@
           </a:ln>
           <a:extLst>
             <a:ext uri="{909E8E84-426E-40dd-AFC4-6F175D3DCCD1}">
-              <a14:hiddenFill xmlns:a14="http://schemas.microsoft.com/office/drawing/2010/main" xmlns="">
+              <a14:hiddenFill xmlns="" xmlns:a14="http://schemas.microsoft.com/office/drawing/2010/main">
                 <a:solidFill>
                   <a:srgbClr val="FFFFFF"/>
                 </a:solidFill>
               </a14:hiddenFill>
             </a:ext>
             <a:ext uri="{91240B29-F687-4f45-9708-019B960494DF}">
-              <a14:hiddenLine xmlns:a14="http://schemas.microsoft.com/office/drawing/2010/main" xmlns="" w="25400">
+              <a14:hiddenLine xmlns="" xmlns:a14="http://schemas.microsoft.com/office/drawing/2010/main" w="25400">
                 <a:solidFill>
                   <a:srgbClr val="000000"/>
                 </a:solidFill>
@@ -35925,14 +35956,14 @@
           </a:ln>
           <a:extLst>
             <a:ext uri="{909E8E84-426E-40dd-AFC4-6F175D3DCCD1}">
-              <a14:hiddenFill xmlns:a14="http://schemas.microsoft.com/office/drawing/2010/main" xmlns="">
+              <a14:hiddenFill xmlns="" xmlns:a14="http://schemas.microsoft.com/office/drawing/2010/main">
                 <a:solidFill>
                   <a:srgbClr val="FFFFFF"/>
                 </a:solidFill>
               </a14:hiddenFill>
             </a:ext>
             <a:ext uri="{91240B29-F687-4f45-9708-019B960494DF}">
-              <a14:hiddenLine xmlns:a14="http://schemas.microsoft.com/office/drawing/2010/main" xmlns="" w="25400">
+              <a14:hiddenLine xmlns="" xmlns:a14="http://schemas.microsoft.com/office/drawing/2010/main" w="25400">
                 <a:solidFill>
                   <a:srgbClr val="000000"/>
                 </a:solidFill>
@@ -36104,7 +36135,7 @@
           </a:ln>
           <a:extLst>
             <a:ext uri="{909E8E84-426E-40dd-AFC4-6F175D3DCCD1}">
-              <a14:hiddenFill xmlns:a14="http://schemas.microsoft.com/office/drawing/2010/main" xmlns="">
+              <a14:hiddenFill xmlns="" xmlns:a14="http://schemas.microsoft.com/office/drawing/2010/main">
                 <a:noFill/>
               </a14:hiddenFill>
             </a:ext>
@@ -36161,7 +36192,7 @@
             </a:ln>
             <a:extLst>
               <a:ext uri="{909E8E84-426E-40dd-AFC4-6F175D3DCCD1}">
-                <a14:hiddenFill xmlns:a14="http://schemas.microsoft.com/office/drawing/2010/main" xmlns="">
+                <a14:hiddenFill xmlns="" xmlns:a14="http://schemas.microsoft.com/office/drawing/2010/main">
                   <a:noFill/>
                 </a14:hiddenFill>
               </a:ext>
@@ -36201,14 +36232,14 @@
             </a:ln>
             <a:extLst>
               <a:ext uri="{909E8E84-426E-40dd-AFC4-6F175D3DCCD1}">
-                <a14:hiddenFill xmlns:a14="http://schemas.microsoft.com/office/drawing/2010/main" xmlns="">
+                <a14:hiddenFill xmlns="" xmlns:a14="http://schemas.microsoft.com/office/drawing/2010/main">
                   <a:solidFill>
                     <a:srgbClr val="FFFFFF"/>
                   </a:solidFill>
                 </a14:hiddenFill>
               </a:ext>
               <a:ext uri="{91240B29-F687-4f45-9708-019B960494DF}">
-                <a14:hiddenLine xmlns:a14="http://schemas.microsoft.com/office/drawing/2010/main" xmlns="" w="25400">
+                <a14:hiddenLine xmlns="" xmlns:a14="http://schemas.microsoft.com/office/drawing/2010/main" w="25400">
                   <a:solidFill>
                     <a:srgbClr val="000000"/>
                   </a:solidFill>
@@ -36397,7 +36428,7 @@
             </a:ln>
             <a:extLst>
               <a:ext uri="{909E8E84-426E-40dd-AFC4-6F175D3DCCD1}">
-                <a14:hiddenFill xmlns:a14="http://schemas.microsoft.com/office/drawing/2010/main" xmlns="">
+                <a14:hiddenFill xmlns="" xmlns:a14="http://schemas.microsoft.com/office/drawing/2010/main">
                   <a:noFill/>
                 </a14:hiddenFill>
               </a:ext>
@@ -36437,14 +36468,14 @@
             </a:ln>
             <a:extLst>
               <a:ext uri="{909E8E84-426E-40dd-AFC4-6F175D3DCCD1}">
-                <a14:hiddenFill xmlns:a14="http://schemas.microsoft.com/office/drawing/2010/main" xmlns="">
+                <a14:hiddenFill xmlns="" xmlns:a14="http://schemas.microsoft.com/office/drawing/2010/main">
                   <a:solidFill>
                     <a:srgbClr val="FFFFFF"/>
                   </a:solidFill>
                 </a14:hiddenFill>
               </a:ext>
               <a:ext uri="{91240B29-F687-4f45-9708-019B960494DF}">
-                <a14:hiddenLine xmlns:a14="http://schemas.microsoft.com/office/drawing/2010/main" xmlns="" w="25400">
+                <a14:hiddenLine xmlns="" xmlns:a14="http://schemas.microsoft.com/office/drawing/2010/main" w="25400">
                   <a:solidFill>
                     <a:srgbClr val="000000"/>
                   </a:solidFill>
@@ -36633,7 +36664,7 @@
             </a:ln>
             <a:extLst>
               <a:ext uri="{909E8E84-426E-40dd-AFC4-6F175D3DCCD1}">
-                <a14:hiddenFill xmlns:a14="http://schemas.microsoft.com/office/drawing/2010/main" xmlns="">
+                <a14:hiddenFill xmlns="" xmlns:a14="http://schemas.microsoft.com/office/drawing/2010/main">
                   <a:noFill/>
                 </a14:hiddenFill>
               </a:ext>
@@ -36673,14 +36704,14 @@
             </a:ln>
             <a:extLst>
               <a:ext uri="{909E8E84-426E-40dd-AFC4-6F175D3DCCD1}">
-                <a14:hiddenFill xmlns:a14="http://schemas.microsoft.com/office/drawing/2010/main" xmlns="">
+                <a14:hiddenFill xmlns="" xmlns:a14="http://schemas.microsoft.com/office/drawing/2010/main">
                   <a:solidFill>
                     <a:srgbClr val="FFFFFF"/>
                   </a:solidFill>
                 </a14:hiddenFill>
               </a:ext>
               <a:ext uri="{91240B29-F687-4f45-9708-019B960494DF}">
-                <a14:hiddenLine xmlns:a14="http://schemas.microsoft.com/office/drawing/2010/main" xmlns="" w="25400">
+                <a14:hiddenLine xmlns="" xmlns:a14="http://schemas.microsoft.com/office/drawing/2010/main" w="25400">
                   <a:solidFill>
                     <a:srgbClr val="000000"/>
                   </a:solidFill>
@@ -36848,14 +36879,14 @@
           </a:ln>
           <a:extLst>
             <a:ext uri="{909E8E84-426E-40dd-AFC4-6F175D3DCCD1}">
-              <a14:hiddenFill xmlns:a14="http://schemas.microsoft.com/office/drawing/2010/main" xmlns="">
+              <a14:hiddenFill xmlns="" xmlns:a14="http://schemas.microsoft.com/office/drawing/2010/main">
                 <a:solidFill>
                   <a:srgbClr val="FFFFFF"/>
                 </a:solidFill>
               </a14:hiddenFill>
             </a:ext>
             <a:ext uri="{91240B29-F687-4f45-9708-019B960494DF}">
-              <a14:hiddenLine xmlns:a14="http://schemas.microsoft.com/office/drawing/2010/main" xmlns="" w="12700">
+              <a14:hiddenLine xmlns="" xmlns:a14="http://schemas.microsoft.com/office/drawing/2010/main" w="12700">
                 <a:solidFill>
                   <a:srgbClr val="000000"/>
                 </a:solidFill>
@@ -37022,14 +37053,14 @@
           </a:ln>
           <a:extLst>
             <a:ext uri="{909E8E84-426E-40dd-AFC4-6F175D3DCCD1}">
-              <a14:hiddenFill xmlns:a14="http://schemas.microsoft.com/office/drawing/2010/main" xmlns="">
+              <a14:hiddenFill xmlns="" xmlns:a14="http://schemas.microsoft.com/office/drawing/2010/main">
                 <a:solidFill>
                   <a:srgbClr val="FFFFFF"/>
                 </a:solidFill>
               </a14:hiddenFill>
             </a:ext>
             <a:ext uri="{91240B29-F687-4f45-9708-019B960494DF}">
-              <a14:hiddenLine xmlns:a14="http://schemas.microsoft.com/office/drawing/2010/main" xmlns="" w="12700">
+              <a14:hiddenLine xmlns="" xmlns:a14="http://schemas.microsoft.com/office/drawing/2010/main" w="12700">
                 <a:solidFill>
                   <a:srgbClr val="000000"/>
                 </a:solidFill>
@@ -37241,7 +37272,7 @@
             </a:ln>
             <a:extLst>
               <a:ext uri="{909E8E84-426E-40dd-AFC4-6F175D3DCCD1}">
-                <a14:hiddenFill xmlns:a14="http://schemas.microsoft.com/office/drawing/2010/main" xmlns="">
+                <a14:hiddenFill xmlns="" xmlns:a14="http://schemas.microsoft.com/office/drawing/2010/main">
                   <a:noFill/>
                 </a14:hiddenFill>
               </a:ext>
@@ -37277,14 +37308,14 @@
             </a:ln>
             <a:extLst>
               <a:ext uri="{909E8E84-426E-40dd-AFC4-6F175D3DCCD1}">
-                <a14:hiddenFill xmlns:a14="http://schemas.microsoft.com/office/drawing/2010/main" xmlns="">
+                <a14:hiddenFill xmlns="" xmlns:a14="http://schemas.microsoft.com/office/drawing/2010/main">
                   <a:solidFill>
                     <a:srgbClr val="FFFFFF"/>
                   </a:solidFill>
                 </a14:hiddenFill>
               </a:ext>
               <a:ext uri="{91240B29-F687-4f45-9708-019B960494DF}">
-                <a14:hiddenLine xmlns:a14="http://schemas.microsoft.com/office/drawing/2010/main" xmlns="" w="25400">
+                <a14:hiddenLine xmlns="" xmlns:a14="http://schemas.microsoft.com/office/drawing/2010/main" w="25400">
                   <a:solidFill>
                     <a:srgbClr val="000000"/>
                   </a:solidFill>
@@ -37506,7 +37537,7 @@
             </a:ln>
             <a:extLst>
               <a:ext uri="{909E8E84-426E-40dd-AFC4-6F175D3DCCD1}">
-                <a14:hiddenFill xmlns:a14="http://schemas.microsoft.com/office/drawing/2010/main" xmlns="">
+                <a14:hiddenFill xmlns="" xmlns:a14="http://schemas.microsoft.com/office/drawing/2010/main">
                   <a:noFill/>
                 </a14:hiddenFill>
               </a:ext>
@@ -37546,14 +37577,14 @@
             </a:ln>
             <a:extLst>
               <a:ext uri="{909E8E84-426E-40dd-AFC4-6F175D3DCCD1}">
-                <a14:hiddenFill xmlns:a14="http://schemas.microsoft.com/office/drawing/2010/main" xmlns="">
+                <a14:hiddenFill xmlns="" xmlns:a14="http://schemas.microsoft.com/office/drawing/2010/main">
                   <a:solidFill>
                     <a:srgbClr val="FFFFFF"/>
                   </a:solidFill>
                 </a14:hiddenFill>
               </a:ext>
               <a:ext uri="{91240B29-F687-4f45-9708-019B960494DF}">
-                <a14:hiddenLine xmlns:a14="http://schemas.microsoft.com/office/drawing/2010/main" xmlns="" w="25400">
+                <a14:hiddenLine xmlns="" xmlns:a14="http://schemas.microsoft.com/office/drawing/2010/main" w="25400">
                   <a:solidFill>
                     <a:srgbClr val="000000"/>
                   </a:solidFill>
@@ -38219,7 +38250,7 @@
           </a:ln>
           <a:extLst>
             <a:ext uri="{909E8E84-426E-40dd-AFC4-6F175D3DCCD1}">
-              <a14:hiddenFill xmlns:a14="http://schemas.microsoft.com/office/drawing/2010/main" xmlns="">
+              <a14:hiddenFill xmlns="" xmlns:a14="http://schemas.microsoft.com/office/drawing/2010/main">
                 <a:noFill/>
               </a14:hiddenFill>
             </a:ext>
@@ -38260,7 +38291,7 @@
           </a:ln>
           <a:extLst>
             <a:ext uri="{909E8E84-426E-40dd-AFC4-6F175D3DCCD1}">
-              <a14:hiddenFill xmlns:a14="http://schemas.microsoft.com/office/drawing/2010/main" xmlns="">
+              <a14:hiddenFill xmlns="" xmlns:a14="http://schemas.microsoft.com/office/drawing/2010/main">
                 <a:noFill/>
               </a14:hiddenFill>
             </a:ext>
@@ -38301,7 +38332,7 @@
           </a:ln>
           <a:extLst>
             <a:ext uri="{909E8E84-426E-40dd-AFC4-6F175D3DCCD1}">
-              <a14:hiddenFill xmlns:a14="http://schemas.microsoft.com/office/drawing/2010/main" xmlns="">
+              <a14:hiddenFill xmlns="" xmlns:a14="http://schemas.microsoft.com/office/drawing/2010/main">
                 <a:noFill/>
               </a14:hiddenFill>
             </a:ext>
@@ -38342,7 +38373,7 @@
           </a:ln>
           <a:extLst>
             <a:ext uri="{909E8E84-426E-40dd-AFC4-6F175D3DCCD1}">
-              <a14:hiddenFill xmlns:a14="http://schemas.microsoft.com/office/drawing/2010/main" xmlns="">
+              <a14:hiddenFill xmlns="" xmlns:a14="http://schemas.microsoft.com/office/drawing/2010/main">
                 <a:noFill/>
               </a14:hiddenFill>
             </a:ext>
@@ -38378,14 +38409,14 @@
           </a:ln>
           <a:extLst>
             <a:ext uri="{909E8E84-426E-40dd-AFC4-6F175D3DCCD1}">
-              <a14:hiddenFill xmlns:a14="http://schemas.microsoft.com/office/drawing/2010/main" xmlns="">
+              <a14:hiddenFill xmlns="" xmlns:a14="http://schemas.microsoft.com/office/drawing/2010/main">
                 <a:solidFill>
                   <a:srgbClr val="FFFFFF"/>
                 </a:solidFill>
               </a14:hiddenFill>
             </a:ext>
             <a:ext uri="{91240B29-F687-4f45-9708-019B960494DF}">
-              <a14:hiddenLine xmlns:a14="http://schemas.microsoft.com/office/drawing/2010/main" xmlns="" w="9525">
+              <a14:hiddenLine xmlns="" xmlns:a14="http://schemas.microsoft.com/office/drawing/2010/main" w="9525">
                 <a:solidFill>
                   <a:srgbClr val="000000"/>
                 </a:solidFill>
@@ -38549,14 +38580,14 @@
           </a:ln>
           <a:extLst>
             <a:ext uri="{909E8E84-426E-40dd-AFC4-6F175D3DCCD1}">
-              <a14:hiddenFill xmlns:a14="http://schemas.microsoft.com/office/drawing/2010/main" xmlns="">
+              <a14:hiddenFill xmlns="" xmlns:a14="http://schemas.microsoft.com/office/drawing/2010/main">
                 <a:solidFill>
                   <a:srgbClr val="FFFFFF"/>
                 </a:solidFill>
               </a14:hiddenFill>
             </a:ext>
             <a:ext uri="{91240B29-F687-4f45-9708-019B960494DF}">
-              <a14:hiddenLine xmlns:a14="http://schemas.microsoft.com/office/drawing/2010/main" xmlns="" w="9525">
+              <a14:hiddenLine xmlns="" xmlns:a14="http://schemas.microsoft.com/office/drawing/2010/main" w="9525">
                 <a:solidFill>
                   <a:srgbClr val="000000"/>
                 </a:solidFill>
@@ -38720,14 +38751,14 @@
           </a:ln>
           <a:extLst>
             <a:ext uri="{909E8E84-426E-40dd-AFC4-6F175D3DCCD1}">
-              <a14:hiddenFill xmlns:a14="http://schemas.microsoft.com/office/drawing/2010/main" xmlns="">
+              <a14:hiddenFill xmlns="" xmlns:a14="http://schemas.microsoft.com/office/drawing/2010/main">
                 <a:solidFill>
                   <a:srgbClr val="FFFFFF"/>
                 </a:solidFill>
               </a14:hiddenFill>
             </a:ext>
             <a:ext uri="{91240B29-F687-4f45-9708-019B960494DF}">
-              <a14:hiddenLine xmlns:a14="http://schemas.microsoft.com/office/drawing/2010/main" xmlns="" w="9525">
+              <a14:hiddenLine xmlns="" xmlns:a14="http://schemas.microsoft.com/office/drawing/2010/main" w="9525">
                 <a:solidFill>
                   <a:srgbClr val="000000"/>
                 </a:solidFill>
@@ -38891,14 +38922,14 @@
           </a:ln>
           <a:extLst>
             <a:ext uri="{909E8E84-426E-40dd-AFC4-6F175D3DCCD1}">
-              <a14:hiddenFill xmlns:a14="http://schemas.microsoft.com/office/drawing/2010/main" xmlns="">
+              <a14:hiddenFill xmlns="" xmlns:a14="http://schemas.microsoft.com/office/drawing/2010/main">
                 <a:solidFill>
                   <a:srgbClr val="FFFFFF"/>
                 </a:solidFill>
               </a14:hiddenFill>
             </a:ext>
             <a:ext uri="{91240B29-F687-4f45-9708-019B960494DF}">
-              <a14:hiddenLine xmlns:a14="http://schemas.microsoft.com/office/drawing/2010/main" xmlns="" w="9525">
+              <a14:hiddenLine xmlns="" xmlns:a14="http://schemas.microsoft.com/office/drawing/2010/main" w="9525">
                 <a:solidFill>
                   <a:srgbClr val="000000"/>
                 </a:solidFill>
@@ -39083,7 +39114,7 @@
             </a:ln>
             <a:extLst>
               <a:ext uri="{909E8E84-426E-40dd-AFC4-6F175D3DCCD1}">
-                <a14:hiddenFill xmlns:a14="http://schemas.microsoft.com/office/drawing/2010/main" xmlns="">
+                <a14:hiddenFill xmlns="" xmlns:a14="http://schemas.microsoft.com/office/drawing/2010/main">
                   <a:noFill/>
                 </a14:hiddenFill>
               </a:ext>
@@ -39119,14 +39150,14 @@
             </a:ln>
             <a:extLst>
               <a:ext uri="{909E8E84-426E-40dd-AFC4-6F175D3DCCD1}">
-                <a14:hiddenFill xmlns:a14="http://schemas.microsoft.com/office/drawing/2010/main" xmlns="">
+                <a14:hiddenFill xmlns="" xmlns:a14="http://schemas.microsoft.com/office/drawing/2010/main">
                   <a:solidFill>
                     <a:srgbClr val="FFFFFF"/>
                   </a:solidFill>
                 </a14:hiddenFill>
               </a:ext>
               <a:ext uri="{91240B29-F687-4f45-9708-019B960494DF}">
-                <a14:hiddenLine xmlns:a14="http://schemas.microsoft.com/office/drawing/2010/main" xmlns="" w="9525">
+                <a14:hiddenLine xmlns="" xmlns:a14="http://schemas.microsoft.com/office/drawing/2010/main" w="9525">
                   <a:solidFill>
                     <a:srgbClr val="000000"/>
                   </a:solidFill>
@@ -39296,7 +39327,7 @@
           </a:ln>
           <a:extLst>
             <a:ext uri="{909E8E84-426E-40dd-AFC4-6F175D3DCCD1}">
-              <a14:hiddenFill xmlns:a14="http://schemas.microsoft.com/office/drawing/2010/main" xmlns="">
+              <a14:hiddenFill xmlns="" xmlns:a14="http://schemas.microsoft.com/office/drawing/2010/main">
                 <a:noFill/>
               </a14:hiddenFill>
             </a:ext>
@@ -39337,7 +39368,7 @@
           </a:ln>
           <a:extLst>
             <a:ext uri="{909E8E84-426E-40dd-AFC4-6F175D3DCCD1}">
-              <a14:hiddenFill xmlns:a14="http://schemas.microsoft.com/office/drawing/2010/main" xmlns="">
+              <a14:hiddenFill xmlns="" xmlns:a14="http://schemas.microsoft.com/office/drawing/2010/main">
                 <a:noFill/>
               </a14:hiddenFill>
             </a:ext>
@@ -39378,7 +39409,7 @@
           </a:ln>
           <a:extLst>
             <a:ext uri="{909E8E84-426E-40dd-AFC4-6F175D3DCCD1}">
-              <a14:hiddenFill xmlns:a14="http://schemas.microsoft.com/office/drawing/2010/main" xmlns="">
+              <a14:hiddenFill xmlns="" xmlns:a14="http://schemas.microsoft.com/office/drawing/2010/main">
                 <a:noFill/>
               </a14:hiddenFill>
             </a:ext>
@@ -39414,14 +39445,14 @@
           </a:ln>
           <a:extLst>
             <a:ext uri="{909E8E84-426E-40dd-AFC4-6F175D3DCCD1}">
-              <a14:hiddenFill xmlns:a14="http://schemas.microsoft.com/office/drawing/2010/main" xmlns="">
+              <a14:hiddenFill xmlns="" xmlns:a14="http://schemas.microsoft.com/office/drawing/2010/main">
                 <a:solidFill>
                   <a:srgbClr val="FFFFFF"/>
                 </a:solidFill>
               </a14:hiddenFill>
             </a:ext>
             <a:ext uri="{91240B29-F687-4f45-9708-019B960494DF}">
-              <a14:hiddenLine xmlns:a14="http://schemas.microsoft.com/office/drawing/2010/main" xmlns="" w="9525">
+              <a14:hiddenLine xmlns="" xmlns:a14="http://schemas.microsoft.com/office/drawing/2010/main" w="9525">
                 <a:solidFill>
                   <a:srgbClr val="000000"/>
                 </a:solidFill>
@@ -39590,7 +39621,7 @@
           </a:ln>
           <a:extLst>
             <a:ext uri="{909E8E84-426E-40dd-AFC4-6F175D3DCCD1}">
-              <a14:hiddenFill xmlns:a14="http://schemas.microsoft.com/office/drawing/2010/main" xmlns="">
+              <a14:hiddenFill xmlns="" xmlns:a14="http://schemas.microsoft.com/office/drawing/2010/main">
                 <a:noFill/>
               </a14:hiddenFill>
             </a:ext>
@@ -39626,14 +39657,14 @@
           </a:ln>
           <a:extLst>
             <a:ext uri="{909E8E84-426E-40dd-AFC4-6F175D3DCCD1}">
-              <a14:hiddenFill xmlns:a14="http://schemas.microsoft.com/office/drawing/2010/main" xmlns="">
+              <a14:hiddenFill xmlns="" xmlns:a14="http://schemas.microsoft.com/office/drawing/2010/main">
                 <a:solidFill>
                   <a:srgbClr val="FFFFFF"/>
                 </a:solidFill>
               </a14:hiddenFill>
             </a:ext>
             <a:ext uri="{91240B29-F687-4f45-9708-019B960494DF}">
-              <a14:hiddenLine xmlns:a14="http://schemas.microsoft.com/office/drawing/2010/main" xmlns="" w="9525">
+              <a14:hiddenLine xmlns="" xmlns:a14="http://schemas.microsoft.com/office/drawing/2010/main" w="9525">
                 <a:solidFill>
                   <a:srgbClr val="000000"/>
                 </a:solidFill>
@@ -39800,14 +39831,14 @@
           </a:ln>
           <a:extLst>
             <a:ext uri="{909E8E84-426E-40dd-AFC4-6F175D3DCCD1}">
-              <a14:hiddenFill xmlns:a14="http://schemas.microsoft.com/office/drawing/2010/main" xmlns="">
+              <a14:hiddenFill xmlns="" xmlns:a14="http://schemas.microsoft.com/office/drawing/2010/main">
                 <a:solidFill>
                   <a:srgbClr val="FFFFFF"/>
                 </a:solidFill>
               </a14:hiddenFill>
             </a:ext>
             <a:ext uri="{91240B29-F687-4f45-9708-019B960494DF}">
-              <a14:hiddenLine xmlns:a14="http://schemas.microsoft.com/office/drawing/2010/main" xmlns="" w="9525">
+              <a14:hiddenLine xmlns="" xmlns:a14="http://schemas.microsoft.com/office/drawing/2010/main" w="9525">
                 <a:solidFill>
                   <a:srgbClr val="000000"/>
                 </a:solidFill>
@@ -39971,14 +40002,14 @@
           </a:ln>
           <a:extLst>
             <a:ext uri="{909E8E84-426E-40dd-AFC4-6F175D3DCCD1}">
-              <a14:hiddenFill xmlns:a14="http://schemas.microsoft.com/office/drawing/2010/main" xmlns="">
+              <a14:hiddenFill xmlns="" xmlns:a14="http://schemas.microsoft.com/office/drawing/2010/main">
                 <a:solidFill>
                   <a:srgbClr val="FFFFFF"/>
                 </a:solidFill>
               </a14:hiddenFill>
             </a:ext>
             <a:ext uri="{91240B29-F687-4f45-9708-019B960494DF}">
-              <a14:hiddenLine xmlns:a14="http://schemas.microsoft.com/office/drawing/2010/main" xmlns="" w="9525">
+              <a14:hiddenLine xmlns="" xmlns:a14="http://schemas.microsoft.com/office/drawing/2010/main" w="9525">
                 <a:solidFill>
                   <a:srgbClr val="000000"/>
                 </a:solidFill>
